--- a/Sobel operator/Image/state_machine.pptx
+++ b/Sobel operator/Image/state_machine.pptx
@@ -104,6 +104,11 @@
       </a:defRPr>
     </a:lvl9pPr>
   </p:defaultTextStyle>
+  <p:extLst>
+    <p:ext uri="{EFAFB233-063F-42B5-8137-9DF3F51BA10A}">
+      <p15:sldGuideLst xmlns:p15="http://schemas.microsoft.com/office/powerpoint/2012/main"/>
+    </p:ext>
+  </p:extLst>
 </p:presentation>
 </file>
 
@@ -254,7 +259,7 @@
           <a:p>
             <a:fld id="{B53BE284-630B-4F53-A56D-A5A5C58A9C68}" type="datetimeFigureOut">
               <a:rPr lang="zh-TW" altLang="en-US" smtClean="0"/>
-              <a:t>2020/9/12</a:t>
+              <a:t>2020/12/14</a:t>
             </a:fld>
             <a:endParaRPr lang="zh-TW" altLang="en-US"/>
           </a:p>
@@ -452,7 +457,7 @@
           <a:p>
             <a:fld id="{B53BE284-630B-4F53-A56D-A5A5C58A9C68}" type="datetimeFigureOut">
               <a:rPr lang="zh-TW" altLang="en-US" smtClean="0"/>
-              <a:t>2020/9/12</a:t>
+              <a:t>2020/12/14</a:t>
             </a:fld>
             <a:endParaRPr lang="zh-TW" altLang="en-US"/>
           </a:p>
@@ -660,7 +665,7 @@
           <a:p>
             <a:fld id="{B53BE284-630B-4F53-A56D-A5A5C58A9C68}" type="datetimeFigureOut">
               <a:rPr lang="zh-TW" altLang="en-US" smtClean="0"/>
-              <a:t>2020/9/12</a:t>
+              <a:t>2020/12/14</a:t>
             </a:fld>
             <a:endParaRPr lang="zh-TW" altLang="en-US"/>
           </a:p>
@@ -858,7 +863,7 @@
           <a:p>
             <a:fld id="{B53BE284-630B-4F53-A56D-A5A5C58A9C68}" type="datetimeFigureOut">
               <a:rPr lang="zh-TW" altLang="en-US" smtClean="0"/>
-              <a:t>2020/9/12</a:t>
+              <a:t>2020/12/14</a:t>
             </a:fld>
             <a:endParaRPr lang="zh-TW" altLang="en-US"/>
           </a:p>
@@ -1133,7 +1138,7 @@
           <a:p>
             <a:fld id="{B53BE284-630B-4F53-A56D-A5A5C58A9C68}" type="datetimeFigureOut">
               <a:rPr lang="zh-TW" altLang="en-US" smtClean="0"/>
-              <a:t>2020/9/12</a:t>
+              <a:t>2020/12/14</a:t>
             </a:fld>
             <a:endParaRPr lang="zh-TW" altLang="en-US"/>
           </a:p>
@@ -1398,7 +1403,7 @@
           <a:p>
             <a:fld id="{B53BE284-630B-4F53-A56D-A5A5C58A9C68}" type="datetimeFigureOut">
               <a:rPr lang="zh-TW" altLang="en-US" smtClean="0"/>
-              <a:t>2020/9/12</a:t>
+              <a:t>2020/12/14</a:t>
             </a:fld>
             <a:endParaRPr lang="zh-TW" altLang="en-US"/>
           </a:p>
@@ -1810,7 +1815,7 @@
           <a:p>
             <a:fld id="{B53BE284-630B-4F53-A56D-A5A5C58A9C68}" type="datetimeFigureOut">
               <a:rPr lang="zh-TW" altLang="en-US" smtClean="0"/>
-              <a:t>2020/9/12</a:t>
+              <a:t>2020/12/14</a:t>
             </a:fld>
             <a:endParaRPr lang="zh-TW" altLang="en-US"/>
           </a:p>
@@ -1951,7 +1956,7 @@
           <a:p>
             <a:fld id="{B53BE284-630B-4F53-A56D-A5A5C58A9C68}" type="datetimeFigureOut">
               <a:rPr lang="zh-TW" altLang="en-US" smtClean="0"/>
-              <a:t>2020/9/12</a:t>
+              <a:t>2020/12/14</a:t>
             </a:fld>
             <a:endParaRPr lang="zh-TW" altLang="en-US"/>
           </a:p>
@@ -2064,7 +2069,7 @@
           <a:p>
             <a:fld id="{B53BE284-630B-4F53-A56D-A5A5C58A9C68}" type="datetimeFigureOut">
               <a:rPr lang="zh-TW" altLang="en-US" smtClean="0"/>
-              <a:t>2020/9/12</a:t>
+              <a:t>2020/12/14</a:t>
             </a:fld>
             <a:endParaRPr lang="zh-TW" altLang="en-US"/>
           </a:p>
@@ -2375,7 +2380,7 @@
           <a:p>
             <a:fld id="{B53BE284-630B-4F53-A56D-A5A5C58A9C68}" type="datetimeFigureOut">
               <a:rPr lang="zh-TW" altLang="en-US" smtClean="0"/>
-              <a:t>2020/9/12</a:t>
+              <a:t>2020/12/14</a:t>
             </a:fld>
             <a:endParaRPr lang="zh-TW" altLang="en-US"/>
           </a:p>
@@ -2663,7 +2668,7 @@
           <a:p>
             <a:fld id="{B53BE284-630B-4F53-A56D-A5A5C58A9C68}" type="datetimeFigureOut">
               <a:rPr lang="zh-TW" altLang="en-US" smtClean="0"/>
-              <a:t>2020/9/12</a:t>
+              <a:t>2020/12/14</a:t>
             </a:fld>
             <a:endParaRPr lang="zh-TW" altLang="en-US"/>
           </a:p>
@@ -2904,7 +2909,7 @@
           <a:p>
             <a:fld id="{B53BE284-630B-4F53-A56D-A5A5C58A9C68}" type="datetimeFigureOut">
               <a:rPr lang="zh-TW" altLang="en-US" smtClean="0"/>
-              <a:t>2020/9/12</a:t>
+              <a:t>2020/12/14</a:t>
             </a:fld>
             <a:endParaRPr lang="zh-TW" altLang="en-US"/>
           </a:p>
@@ -3323,10 +3328,10 @@
       </p:grpSpPr>
       <p:grpSp>
         <p:nvGrpSpPr>
-          <p:cNvPr id="44" name="群組 43">
-            <a:extLst>
-              <a:ext uri="{FF2B5EF4-FFF2-40B4-BE49-F238E27FC236}">
-                <a16:creationId xmlns:a16="http://schemas.microsoft.com/office/drawing/2014/main" id="{6AE2E385-86F6-47CE-8CE4-6B7DEDE36096}"/>
+          <p:cNvPr id="5" name="群組 4">
+            <a:extLst>
+              <a:ext uri="{FF2B5EF4-FFF2-40B4-BE49-F238E27FC236}">
+                <a16:creationId xmlns:a16="http://schemas.microsoft.com/office/drawing/2014/main" id="{90758497-DFB8-4D1B-A3DF-9A2426D70F2C}"/>
               </a:ext>
             </a:extLst>
           </p:cNvPr>
@@ -3341,743 +3346,1672 @@
             <a:chExt cx="7343187" cy="4844258"/>
           </a:xfrm>
         </p:grpSpPr>
-        <p:sp>
-          <p:nvSpPr>
-            <p:cNvPr id="4" name="橢圓 3">
+        <p:grpSp>
+          <p:nvGrpSpPr>
+            <p:cNvPr id="44" name="群組 43">
               <a:extLst>
                 <a:ext uri="{FF2B5EF4-FFF2-40B4-BE49-F238E27FC236}">
-                  <a16:creationId xmlns:a16="http://schemas.microsoft.com/office/drawing/2014/main" id="{1606064A-EA90-4AF5-BC53-32D0EA7460E3}"/>
+                  <a16:creationId xmlns:a16="http://schemas.microsoft.com/office/drawing/2014/main" id="{6AE2E385-86F6-47CE-8CE4-6B7DEDE36096}"/>
                 </a:ext>
               </a:extLst>
             </p:cNvPr>
-            <p:cNvSpPr/>
+            <p:cNvGrpSpPr/>
             <p:nvPr/>
-          </p:nvSpPr>
-          <p:spPr>
+          </p:nvGrpSpPr>
+          <p:grpSpPr>
             <a:xfrm>
-              <a:off x="3191069" y="1492897"/>
-              <a:ext cx="1418253" cy="1418253"/>
+              <a:off x="3191069" y="907477"/>
+              <a:ext cx="7343187" cy="4844258"/>
+              <a:chOff x="3191069" y="907477"/>
+              <a:chExt cx="7343187" cy="4844258"/>
             </a:xfrm>
-            <a:prstGeom prst="ellipse">
-              <a:avLst/>
-            </a:prstGeom>
-          </p:spPr>
-          <p:style>
-            <a:lnRef idx="2">
-              <a:schemeClr val="accent3">
-                <a:shade val="50000"/>
-              </a:schemeClr>
-            </a:lnRef>
-            <a:fillRef idx="1">
-              <a:schemeClr val="accent3"/>
-            </a:fillRef>
-            <a:effectRef idx="0">
-              <a:schemeClr val="accent3"/>
-            </a:effectRef>
-            <a:fontRef idx="minor">
-              <a:schemeClr val="lt1"/>
-            </a:fontRef>
-          </p:style>
-          <p:txBody>
-            <a:bodyPr rtlCol="0" anchor="ctr"/>
-            <a:lstStyle/>
-            <a:p>
-              <a:pPr algn="ctr"/>
-              <a:r>
-                <a:rPr lang="en-US" altLang="zh-TW" dirty="0">
+          </p:grpSpPr>
+          <p:sp>
+            <p:nvSpPr>
+              <p:cNvPr id="4" name="橢圓 3">
+                <a:extLst>
+                  <a:ext uri="{FF2B5EF4-FFF2-40B4-BE49-F238E27FC236}">
+                    <a16:creationId xmlns:a16="http://schemas.microsoft.com/office/drawing/2014/main" id="{1606064A-EA90-4AF5-BC53-32D0EA7460E3}"/>
+                  </a:ext>
+                </a:extLst>
+              </p:cNvPr>
+              <p:cNvSpPr/>
+              <p:nvPr/>
+            </p:nvSpPr>
+            <p:spPr>
+              <a:xfrm>
+                <a:off x="3191069" y="1492897"/>
+                <a:ext cx="1418253" cy="1418253"/>
+              </a:xfrm>
+              <a:prstGeom prst="ellipse">
+                <a:avLst/>
+              </a:prstGeom>
+            </p:spPr>
+            <p:style>
+              <a:lnRef idx="2">
+                <a:schemeClr val="accent3">
+                  <a:shade val="50000"/>
+                </a:schemeClr>
+              </a:lnRef>
+              <a:fillRef idx="1">
+                <a:schemeClr val="accent3"/>
+              </a:fillRef>
+              <a:effectRef idx="0">
+                <a:schemeClr val="accent3"/>
+              </a:effectRef>
+              <a:fontRef idx="minor">
+                <a:schemeClr val="lt1"/>
+              </a:fontRef>
+            </p:style>
+            <p:txBody>
+              <a:bodyPr rtlCol="0" anchor="ctr"/>
+              <a:lstStyle/>
+              <a:p>
+                <a:pPr algn="ctr"/>
+                <a:r>
+                  <a:rPr lang="en-US" altLang="zh-TW" dirty="0">
+                    <a:latin typeface="Times New Roman" panose="02020603050405020304" pitchFamily="18" charset="0"/>
+                    <a:cs typeface="Times New Roman" panose="02020603050405020304" pitchFamily="18" charset="0"/>
+                  </a:rPr>
+                  <a:t>Free</a:t>
+                </a:r>
+                <a:endParaRPr lang="zh-TW" altLang="en-US" dirty="0">
                   <a:latin typeface="Times New Roman" panose="02020603050405020304" pitchFamily="18" charset="0"/>
                   <a:cs typeface="Times New Roman" panose="02020603050405020304" pitchFamily="18" charset="0"/>
-                </a:rPr>
-                <a:t>Free</a:t>
-              </a:r>
-              <a:endParaRPr lang="zh-TW" altLang="en-US" dirty="0">
-                <a:latin typeface="Times New Roman" panose="02020603050405020304" pitchFamily="18" charset="0"/>
-                <a:cs typeface="Times New Roman" panose="02020603050405020304" pitchFamily="18" charset="0"/>
-              </a:endParaRPr>
-            </a:p>
-          </p:txBody>
-        </p:sp>
-        <p:sp>
-          <p:nvSpPr>
-            <p:cNvPr id="6" name="橢圓 5">
+                </a:endParaRPr>
+              </a:p>
+            </p:txBody>
+          </p:sp>
+          <p:sp>
+            <p:nvSpPr>
+              <p:cNvPr id="6" name="橢圓 5">
+                <a:extLst>
+                  <a:ext uri="{FF2B5EF4-FFF2-40B4-BE49-F238E27FC236}">
+                    <a16:creationId xmlns:a16="http://schemas.microsoft.com/office/drawing/2014/main" id="{083865B9-8D4E-46EF-AB2C-D5DA73681AD3}"/>
+                  </a:ext>
+                </a:extLst>
+              </p:cNvPr>
+              <p:cNvSpPr/>
+              <p:nvPr/>
+            </p:nvSpPr>
+            <p:spPr>
+              <a:xfrm>
+                <a:off x="5166047" y="1492897"/>
+                <a:ext cx="1418253" cy="1418253"/>
+              </a:xfrm>
+              <a:prstGeom prst="ellipse">
+                <a:avLst/>
+              </a:prstGeom>
+            </p:spPr>
+            <p:style>
+              <a:lnRef idx="2">
+                <a:schemeClr val="accent3">
+                  <a:shade val="50000"/>
+                </a:schemeClr>
+              </a:lnRef>
+              <a:fillRef idx="1">
+                <a:schemeClr val="accent3"/>
+              </a:fillRef>
+              <a:effectRef idx="0">
+                <a:schemeClr val="accent3"/>
+              </a:effectRef>
+              <a:fontRef idx="minor">
+                <a:schemeClr val="lt1"/>
+              </a:fontRef>
+            </p:style>
+            <p:txBody>
+              <a:bodyPr rtlCol="0" anchor="ctr"/>
+              <a:lstStyle/>
+              <a:p>
+                <a:pPr algn="ctr"/>
+                <a:r>
+                  <a:rPr lang="en-US" altLang="zh-TW" dirty="0">
+                    <a:latin typeface="Times New Roman" panose="02020603050405020304" pitchFamily="18" charset="0"/>
+                    <a:cs typeface="Times New Roman" panose="02020603050405020304" pitchFamily="18" charset="0"/>
+                  </a:rPr>
+                  <a:t>Conv</a:t>
+                </a:r>
+                <a:endParaRPr lang="zh-TW" altLang="en-US" dirty="0">
+                  <a:latin typeface="Times New Roman" panose="02020603050405020304" pitchFamily="18" charset="0"/>
+                  <a:cs typeface="Times New Roman" panose="02020603050405020304" pitchFamily="18" charset="0"/>
+                </a:endParaRPr>
+              </a:p>
+            </p:txBody>
+          </p:sp>
+          <p:sp>
+            <p:nvSpPr>
+              <p:cNvPr id="8" name="橢圓 7">
+                <a:extLst>
+                  <a:ext uri="{FF2B5EF4-FFF2-40B4-BE49-F238E27FC236}">
+                    <a16:creationId xmlns:a16="http://schemas.microsoft.com/office/drawing/2014/main" id="{2F93032D-F558-4E76-8343-803C83D0FEC5}"/>
+                  </a:ext>
+                </a:extLst>
+              </p:cNvPr>
+              <p:cNvSpPr/>
+              <p:nvPr/>
+            </p:nvSpPr>
+            <p:spPr>
+              <a:xfrm>
+                <a:off x="7141025" y="1492897"/>
+                <a:ext cx="1418253" cy="1418253"/>
+              </a:xfrm>
+              <a:prstGeom prst="ellipse">
+                <a:avLst/>
+              </a:prstGeom>
+            </p:spPr>
+            <p:style>
+              <a:lnRef idx="2">
+                <a:schemeClr val="accent3">
+                  <a:shade val="50000"/>
+                </a:schemeClr>
+              </a:lnRef>
+              <a:fillRef idx="1">
+                <a:schemeClr val="accent3"/>
+              </a:fillRef>
+              <a:effectRef idx="0">
+                <a:schemeClr val="accent3"/>
+              </a:effectRef>
+              <a:fontRef idx="minor">
+                <a:schemeClr val="lt1"/>
+              </a:fontRef>
+            </p:style>
+            <p:txBody>
+              <a:bodyPr rtlCol="0" anchor="ctr"/>
+              <a:lstStyle/>
+              <a:p>
+                <a:pPr algn="ctr"/>
+                <a:r>
+                  <a:rPr lang="en-US" altLang="zh-TW" dirty="0" err="1">
+                    <a:latin typeface="Times New Roman" panose="02020603050405020304" pitchFamily="18" charset="0"/>
+                    <a:cs typeface="Times New Roman" panose="02020603050405020304" pitchFamily="18" charset="0"/>
+                  </a:rPr>
+                  <a:t>Outx</a:t>
+                </a:r>
+                <a:endParaRPr lang="zh-TW" altLang="en-US" dirty="0">
+                  <a:latin typeface="Times New Roman" panose="02020603050405020304" pitchFamily="18" charset="0"/>
+                  <a:cs typeface="Times New Roman" panose="02020603050405020304" pitchFamily="18" charset="0"/>
+                </a:endParaRPr>
+              </a:p>
+            </p:txBody>
+          </p:sp>
+          <p:sp>
+            <p:nvSpPr>
+              <p:cNvPr id="9" name="橢圓 8">
+                <a:extLst>
+                  <a:ext uri="{FF2B5EF4-FFF2-40B4-BE49-F238E27FC236}">
+                    <a16:creationId xmlns:a16="http://schemas.microsoft.com/office/drawing/2014/main" id="{1606064A-EA90-4AF5-BC53-32D0EA7460E3}"/>
+                  </a:ext>
+                </a:extLst>
+              </p:cNvPr>
+              <p:cNvSpPr/>
+              <p:nvPr/>
+            </p:nvSpPr>
+            <p:spPr>
+              <a:xfrm>
+                <a:off x="7141025" y="3778897"/>
+                <a:ext cx="1418253" cy="1418253"/>
+              </a:xfrm>
+              <a:prstGeom prst="ellipse">
+                <a:avLst/>
+              </a:prstGeom>
+            </p:spPr>
+            <p:style>
+              <a:lnRef idx="2">
+                <a:schemeClr val="accent3">
+                  <a:shade val="50000"/>
+                </a:schemeClr>
+              </a:lnRef>
+              <a:fillRef idx="1">
+                <a:schemeClr val="accent3"/>
+              </a:fillRef>
+              <a:effectRef idx="0">
+                <a:schemeClr val="accent3"/>
+              </a:effectRef>
+              <a:fontRef idx="minor">
+                <a:schemeClr val="lt1"/>
+              </a:fontRef>
+            </p:style>
+            <p:txBody>
+              <a:bodyPr rtlCol="0" anchor="ctr"/>
+              <a:lstStyle>
+                <a:defPPr>
+                  <a:defRPr lang="zh-TW"/>
+                </a:defPPr>
+                <a:lvl1pPr marL="0" algn="l" defTabSz="914400" rtl="0" eaLnBrk="1" latinLnBrk="0" hangingPunct="1">
+                  <a:defRPr sz="1800" kern="1200">
+                    <a:solidFill>
+                      <a:schemeClr val="lt1"/>
+                    </a:solidFill>
+                    <a:latin typeface="+mn-lt"/>
+                    <a:ea typeface="+mn-ea"/>
+                    <a:cs typeface="+mn-cs"/>
+                  </a:defRPr>
+                </a:lvl1pPr>
+                <a:lvl2pPr marL="457200" algn="l" defTabSz="914400" rtl="0" eaLnBrk="1" latinLnBrk="0" hangingPunct="1">
+                  <a:defRPr sz="1800" kern="1200">
+                    <a:solidFill>
+                      <a:schemeClr val="lt1"/>
+                    </a:solidFill>
+                    <a:latin typeface="+mn-lt"/>
+                    <a:ea typeface="+mn-ea"/>
+                    <a:cs typeface="+mn-cs"/>
+                  </a:defRPr>
+                </a:lvl2pPr>
+                <a:lvl3pPr marL="914400" algn="l" defTabSz="914400" rtl="0" eaLnBrk="1" latinLnBrk="0" hangingPunct="1">
+                  <a:defRPr sz="1800" kern="1200">
+                    <a:solidFill>
+                      <a:schemeClr val="lt1"/>
+                    </a:solidFill>
+                    <a:latin typeface="+mn-lt"/>
+                    <a:ea typeface="+mn-ea"/>
+                    <a:cs typeface="+mn-cs"/>
+                  </a:defRPr>
+                </a:lvl3pPr>
+                <a:lvl4pPr marL="1371600" algn="l" defTabSz="914400" rtl="0" eaLnBrk="1" latinLnBrk="0" hangingPunct="1">
+                  <a:defRPr sz="1800" kern="1200">
+                    <a:solidFill>
+                      <a:schemeClr val="lt1"/>
+                    </a:solidFill>
+                    <a:latin typeface="+mn-lt"/>
+                    <a:ea typeface="+mn-ea"/>
+                    <a:cs typeface="+mn-cs"/>
+                  </a:defRPr>
+                </a:lvl4pPr>
+                <a:lvl5pPr marL="1828800" algn="l" defTabSz="914400" rtl="0" eaLnBrk="1" latinLnBrk="0" hangingPunct="1">
+                  <a:defRPr sz="1800" kern="1200">
+                    <a:solidFill>
+                      <a:schemeClr val="lt1"/>
+                    </a:solidFill>
+                    <a:latin typeface="+mn-lt"/>
+                    <a:ea typeface="+mn-ea"/>
+                    <a:cs typeface="+mn-cs"/>
+                  </a:defRPr>
+                </a:lvl5pPr>
+                <a:lvl6pPr marL="2286000" algn="l" defTabSz="914400" rtl="0" eaLnBrk="1" latinLnBrk="0" hangingPunct="1">
+                  <a:defRPr sz="1800" kern="1200">
+                    <a:solidFill>
+                      <a:schemeClr val="lt1"/>
+                    </a:solidFill>
+                    <a:latin typeface="+mn-lt"/>
+                    <a:ea typeface="+mn-ea"/>
+                    <a:cs typeface="+mn-cs"/>
+                  </a:defRPr>
+                </a:lvl6pPr>
+                <a:lvl7pPr marL="2743200" algn="l" defTabSz="914400" rtl="0" eaLnBrk="1" latinLnBrk="0" hangingPunct="1">
+                  <a:defRPr sz="1800" kern="1200">
+                    <a:solidFill>
+                      <a:schemeClr val="lt1"/>
+                    </a:solidFill>
+                    <a:latin typeface="+mn-lt"/>
+                    <a:ea typeface="+mn-ea"/>
+                    <a:cs typeface="+mn-cs"/>
+                  </a:defRPr>
+                </a:lvl7pPr>
+                <a:lvl8pPr marL="3200400" algn="l" defTabSz="914400" rtl="0" eaLnBrk="1" latinLnBrk="0" hangingPunct="1">
+                  <a:defRPr sz="1800" kern="1200">
+                    <a:solidFill>
+                      <a:schemeClr val="lt1"/>
+                    </a:solidFill>
+                    <a:latin typeface="+mn-lt"/>
+                    <a:ea typeface="+mn-ea"/>
+                    <a:cs typeface="+mn-cs"/>
+                  </a:defRPr>
+                </a:lvl8pPr>
+                <a:lvl9pPr marL="3657600" algn="l" defTabSz="914400" rtl="0" eaLnBrk="1" latinLnBrk="0" hangingPunct="1">
+                  <a:defRPr sz="1800" kern="1200">
+                    <a:solidFill>
+                      <a:schemeClr val="lt1"/>
+                    </a:solidFill>
+                    <a:latin typeface="+mn-lt"/>
+                    <a:ea typeface="+mn-ea"/>
+                    <a:cs typeface="+mn-cs"/>
+                  </a:defRPr>
+                </a:lvl9pPr>
+              </a:lstStyle>
+              <a:p>
+                <a:pPr algn="ctr"/>
+                <a:r>
+                  <a:rPr lang="en-US" altLang="zh-TW" dirty="0">
+                    <a:latin typeface="Times New Roman" panose="02020603050405020304" pitchFamily="18" charset="0"/>
+                    <a:cs typeface="Times New Roman" panose="02020603050405020304" pitchFamily="18" charset="0"/>
+                  </a:rPr>
+                  <a:t>Shift</a:t>
+                </a:r>
+                <a:endParaRPr lang="zh-TW" altLang="en-US" dirty="0">
+                  <a:latin typeface="Times New Roman" panose="02020603050405020304" pitchFamily="18" charset="0"/>
+                  <a:cs typeface="Times New Roman" panose="02020603050405020304" pitchFamily="18" charset="0"/>
+                </a:endParaRPr>
+              </a:p>
+            </p:txBody>
+          </p:sp>
+          <p:sp>
+            <p:nvSpPr>
+              <p:cNvPr id="10" name="橢圓 9">
+                <a:extLst>
+                  <a:ext uri="{FF2B5EF4-FFF2-40B4-BE49-F238E27FC236}">
+                    <a16:creationId xmlns:a16="http://schemas.microsoft.com/office/drawing/2014/main" id="{1606064A-EA90-4AF5-BC53-32D0EA7460E3}"/>
+                  </a:ext>
+                </a:extLst>
+              </p:cNvPr>
+              <p:cNvSpPr/>
+              <p:nvPr/>
+            </p:nvSpPr>
+            <p:spPr>
+              <a:xfrm>
+                <a:off x="5166047" y="3778897"/>
+                <a:ext cx="1418253" cy="1418253"/>
+              </a:xfrm>
+              <a:prstGeom prst="ellipse">
+                <a:avLst/>
+              </a:prstGeom>
+            </p:spPr>
+            <p:style>
+              <a:lnRef idx="2">
+                <a:schemeClr val="accent3">
+                  <a:shade val="50000"/>
+                </a:schemeClr>
+              </a:lnRef>
+              <a:fillRef idx="1">
+                <a:schemeClr val="accent3"/>
+              </a:fillRef>
+              <a:effectRef idx="0">
+                <a:schemeClr val="accent3"/>
+              </a:effectRef>
+              <a:fontRef idx="minor">
+                <a:schemeClr val="lt1"/>
+              </a:fontRef>
+            </p:style>
+            <p:txBody>
+              <a:bodyPr rtlCol="0" anchor="ctr"/>
+              <a:lstStyle>
+                <a:defPPr>
+                  <a:defRPr lang="zh-TW"/>
+                </a:defPPr>
+                <a:lvl1pPr marL="0" algn="l" defTabSz="914400" rtl="0" eaLnBrk="1" latinLnBrk="0" hangingPunct="1">
+                  <a:defRPr sz="1800" kern="1200">
+                    <a:solidFill>
+                      <a:schemeClr val="lt1"/>
+                    </a:solidFill>
+                    <a:latin typeface="+mn-lt"/>
+                    <a:ea typeface="+mn-ea"/>
+                    <a:cs typeface="+mn-cs"/>
+                  </a:defRPr>
+                </a:lvl1pPr>
+                <a:lvl2pPr marL="457200" algn="l" defTabSz="914400" rtl="0" eaLnBrk="1" latinLnBrk="0" hangingPunct="1">
+                  <a:defRPr sz="1800" kern="1200">
+                    <a:solidFill>
+                      <a:schemeClr val="lt1"/>
+                    </a:solidFill>
+                    <a:latin typeface="+mn-lt"/>
+                    <a:ea typeface="+mn-ea"/>
+                    <a:cs typeface="+mn-cs"/>
+                  </a:defRPr>
+                </a:lvl2pPr>
+                <a:lvl3pPr marL="914400" algn="l" defTabSz="914400" rtl="0" eaLnBrk="1" latinLnBrk="0" hangingPunct="1">
+                  <a:defRPr sz="1800" kern="1200">
+                    <a:solidFill>
+                      <a:schemeClr val="lt1"/>
+                    </a:solidFill>
+                    <a:latin typeface="+mn-lt"/>
+                    <a:ea typeface="+mn-ea"/>
+                    <a:cs typeface="+mn-cs"/>
+                  </a:defRPr>
+                </a:lvl3pPr>
+                <a:lvl4pPr marL="1371600" algn="l" defTabSz="914400" rtl="0" eaLnBrk="1" latinLnBrk="0" hangingPunct="1">
+                  <a:defRPr sz="1800" kern="1200">
+                    <a:solidFill>
+                      <a:schemeClr val="lt1"/>
+                    </a:solidFill>
+                    <a:latin typeface="+mn-lt"/>
+                    <a:ea typeface="+mn-ea"/>
+                    <a:cs typeface="+mn-cs"/>
+                  </a:defRPr>
+                </a:lvl4pPr>
+                <a:lvl5pPr marL="1828800" algn="l" defTabSz="914400" rtl="0" eaLnBrk="1" latinLnBrk="0" hangingPunct="1">
+                  <a:defRPr sz="1800" kern="1200">
+                    <a:solidFill>
+                      <a:schemeClr val="lt1"/>
+                    </a:solidFill>
+                    <a:latin typeface="+mn-lt"/>
+                    <a:ea typeface="+mn-ea"/>
+                    <a:cs typeface="+mn-cs"/>
+                  </a:defRPr>
+                </a:lvl5pPr>
+                <a:lvl6pPr marL="2286000" algn="l" defTabSz="914400" rtl="0" eaLnBrk="1" latinLnBrk="0" hangingPunct="1">
+                  <a:defRPr sz="1800" kern="1200">
+                    <a:solidFill>
+                      <a:schemeClr val="lt1"/>
+                    </a:solidFill>
+                    <a:latin typeface="+mn-lt"/>
+                    <a:ea typeface="+mn-ea"/>
+                    <a:cs typeface="+mn-cs"/>
+                  </a:defRPr>
+                </a:lvl6pPr>
+                <a:lvl7pPr marL="2743200" algn="l" defTabSz="914400" rtl="0" eaLnBrk="1" latinLnBrk="0" hangingPunct="1">
+                  <a:defRPr sz="1800" kern="1200">
+                    <a:solidFill>
+                      <a:schemeClr val="lt1"/>
+                    </a:solidFill>
+                    <a:latin typeface="+mn-lt"/>
+                    <a:ea typeface="+mn-ea"/>
+                    <a:cs typeface="+mn-cs"/>
+                  </a:defRPr>
+                </a:lvl7pPr>
+                <a:lvl8pPr marL="3200400" algn="l" defTabSz="914400" rtl="0" eaLnBrk="1" latinLnBrk="0" hangingPunct="1">
+                  <a:defRPr sz="1800" kern="1200">
+                    <a:solidFill>
+                      <a:schemeClr val="lt1"/>
+                    </a:solidFill>
+                    <a:latin typeface="+mn-lt"/>
+                    <a:ea typeface="+mn-ea"/>
+                    <a:cs typeface="+mn-cs"/>
+                  </a:defRPr>
+                </a:lvl8pPr>
+                <a:lvl9pPr marL="3657600" algn="l" defTabSz="914400" rtl="0" eaLnBrk="1" latinLnBrk="0" hangingPunct="1">
+                  <a:defRPr sz="1800" kern="1200">
+                    <a:solidFill>
+                      <a:schemeClr val="lt1"/>
+                    </a:solidFill>
+                    <a:latin typeface="+mn-lt"/>
+                    <a:ea typeface="+mn-ea"/>
+                    <a:cs typeface="+mn-cs"/>
+                  </a:defRPr>
+                </a:lvl9pPr>
+              </a:lstStyle>
+              <a:p>
+                <a:pPr algn="ctr"/>
+                <a:r>
+                  <a:rPr lang="en-US" altLang="zh-TW" dirty="0">
+                    <a:latin typeface="Times New Roman" panose="02020603050405020304" pitchFamily="18" charset="0"/>
+                    <a:cs typeface="Times New Roman" panose="02020603050405020304" pitchFamily="18" charset="0"/>
+                  </a:rPr>
+                  <a:t>Out</a:t>
+                </a:r>
+              </a:p>
+              <a:p>
+                <a:pPr algn="ctr"/>
+                <a:r>
+                  <a:rPr lang="en-US" altLang="zh-TW" dirty="0">
+                    <a:latin typeface="Times New Roman" panose="02020603050405020304" pitchFamily="18" charset="0"/>
+                    <a:cs typeface="Times New Roman" panose="02020603050405020304" pitchFamily="18" charset="0"/>
+                  </a:rPr>
+                  <a:t>Comb</a:t>
+                </a:r>
+                <a:endParaRPr lang="zh-TW" altLang="en-US" dirty="0">
+                  <a:latin typeface="Times New Roman" panose="02020603050405020304" pitchFamily="18" charset="0"/>
+                  <a:cs typeface="Times New Roman" panose="02020603050405020304" pitchFamily="18" charset="0"/>
+                </a:endParaRPr>
+              </a:p>
+            </p:txBody>
+          </p:sp>
+          <p:sp>
+            <p:nvSpPr>
+              <p:cNvPr id="11" name="橢圓 10">
+                <a:extLst>
+                  <a:ext uri="{FF2B5EF4-FFF2-40B4-BE49-F238E27FC236}">
+                    <a16:creationId xmlns:a16="http://schemas.microsoft.com/office/drawing/2014/main" id="{1606064A-EA90-4AF5-BC53-32D0EA7460E3}"/>
+                  </a:ext>
+                </a:extLst>
+              </p:cNvPr>
+              <p:cNvSpPr/>
+              <p:nvPr/>
+            </p:nvSpPr>
+            <p:spPr>
+              <a:xfrm>
+                <a:off x="3191069" y="3778897"/>
+                <a:ext cx="1418253" cy="1418253"/>
+              </a:xfrm>
+              <a:prstGeom prst="ellipse">
+                <a:avLst/>
+              </a:prstGeom>
+            </p:spPr>
+            <p:style>
+              <a:lnRef idx="2">
+                <a:schemeClr val="accent3">
+                  <a:shade val="50000"/>
+                </a:schemeClr>
+              </a:lnRef>
+              <a:fillRef idx="1">
+                <a:schemeClr val="accent3"/>
+              </a:fillRef>
+              <a:effectRef idx="0">
+                <a:schemeClr val="accent3"/>
+              </a:effectRef>
+              <a:fontRef idx="minor">
+                <a:schemeClr val="lt1"/>
+              </a:fontRef>
+            </p:style>
+            <p:txBody>
+              <a:bodyPr rtlCol="0" anchor="ctr"/>
+              <a:lstStyle>
+                <a:defPPr>
+                  <a:defRPr lang="zh-TW"/>
+                </a:defPPr>
+                <a:lvl1pPr marL="0" algn="l" defTabSz="914400" rtl="0" eaLnBrk="1" latinLnBrk="0" hangingPunct="1">
+                  <a:defRPr sz="1800" kern="1200">
+                    <a:solidFill>
+                      <a:schemeClr val="lt1"/>
+                    </a:solidFill>
+                    <a:latin typeface="+mn-lt"/>
+                    <a:ea typeface="+mn-ea"/>
+                    <a:cs typeface="+mn-cs"/>
+                  </a:defRPr>
+                </a:lvl1pPr>
+                <a:lvl2pPr marL="457200" algn="l" defTabSz="914400" rtl="0" eaLnBrk="1" latinLnBrk="0" hangingPunct="1">
+                  <a:defRPr sz="1800" kern="1200">
+                    <a:solidFill>
+                      <a:schemeClr val="lt1"/>
+                    </a:solidFill>
+                    <a:latin typeface="+mn-lt"/>
+                    <a:ea typeface="+mn-ea"/>
+                    <a:cs typeface="+mn-cs"/>
+                  </a:defRPr>
+                </a:lvl2pPr>
+                <a:lvl3pPr marL="914400" algn="l" defTabSz="914400" rtl="0" eaLnBrk="1" latinLnBrk="0" hangingPunct="1">
+                  <a:defRPr sz="1800" kern="1200">
+                    <a:solidFill>
+                      <a:schemeClr val="lt1"/>
+                    </a:solidFill>
+                    <a:latin typeface="+mn-lt"/>
+                    <a:ea typeface="+mn-ea"/>
+                    <a:cs typeface="+mn-cs"/>
+                  </a:defRPr>
+                </a:lvl3pPr>
+                <a:lvl4pPr marL="1371600" algn="l" defTabSz="914400" rtl="0" eaLnBrk="1" latinLnBrk="0" hangingPunct="1">
+                  <a:defRPr sz="1800" kern="1200">
+                    <a:solidFill>
+                      <a:schemeClr val="lt1"/>
+                    </a:solidFill>
+                    <a:latin typeface="+mn-lt"/>
+                    <a:ea typeface="+mn-ea"/>
+                    <a:cs typeface="+mn-cs"/>
+                  </a:defRPr>
+                </a:lvl4pPr>
+                <a:lvl5pPr marL="1828800" algn="l" defTabSz="914400" rtl="0" eaLnBrk="1" latinLnBrk="0" hangingPunct="1">
+                  <a:defRPr sz="1800" kern="1200">
+                    <a:solidFill>
+                      <a:schemeClr val="lt1"/>
+                    </a:solidFill>
+                    <a:latin typeface="+mn-lt"/>
+                    <a:ea typeface="+mn-ea"/>
+                    <a:cs typeface="+mn-cs"/>
+                  </a:defRPr>
+                </a:lvl5pPr>
+                <a:lvl6pPr marL="2286000" algn="l" defTabSz="914400" rtl="0" eaLnBrk="1" latinLnBrk="0" hangingPunct="1">
+                  <a:defRPr sz="1800" kern="1200">
+                    <a:solidFill>
+                      <a:schemeClr val="lt1"/>
+                    </a:solidFill>
+                    <a:latin typeface="+mn-lt"/>
+                    <a:ea typeface="+mn-ea"/>
+                    <a:cs typeface="+mn-cs"/>
+                  </a:defRPr>
+                </a:lvl6pPr>
+                <a:lvl7pPr marL="2743200" algn="l" defTabSz="914400" rtl="0" eaLnBrk="1" latinLnBrk="0" hangingPunct="1">
+                  <a:defRPr sz="1800" kern="1200">
+                    <a:solidFill>
+                      <a:schemeClr val="lt1"/>
+                    </a:solidFill>
+                    <a:latin typeface="+mn-lt"/>
+                    <a:ea typeface="+mn-ea"/>
+                    <a:cs typeface="+mn-cs"/>
+                  </a:defRPr>
+                </a:lvl7pPr>
+                <a:lvl8pPr marL="3200400" algn="l" defTabSz="914400" rtl="0" eaLnBrk="1" latinLnBrk="0" hangingPunct="1">
+                  <a:defRPr sz="1800" kern="1200">
+                    <a:solidFill>
+                      <a:schemeClr val="lt1"/>
+                    </a:solidFill>
+                    <a:latin typeface="+mn-lt"/>
+                    <a:ea typeface="+mn-ea"/>
+                    <a:cs typeface="+mn-cs"/>
+                  </a:defRPr>
+                </a:lvl8pPr>
+                <a:lvl9pPr marL="3657600" algn="l" defTabSz="914400" rtl="0" eaLnBrk="1" latinLnBrk="0" hangingPunct="1">
+                  <a:defRPr sz="1800" kern="1200">
+                    <a:solidFill>
+                      <a:schemeClr val="lt1"/>
+                    </a:solidFill>
+                    <a:latin typeface="+mn-lt"/>
+                    <a:ea typeface="+mn-ea"/>
+                    <a:cs typeface="+mn-cs"/>
+                  </a:defRPr>
+                </a:lvl9pPr>
+              </a:lstStyle>
+              <a:p>
+                <a:pPr algn="ctr"/>
+                <a:r>
+                  <a:rPr lang="en-US" altLang="zh-TW" dirty="0" err="1">
+                    <a:latin typeface="Times New Roman" panose="02020603050405020304" pitchFamily="18" charset="0"/>
+                    <a:cs typeface="Times New Roman" panose="02020603050405020304" pitchFamily="18" charset="0"/>
+                  </a:rPr>
+                  <a:t>Outy</a:t>
+                </a:r>
+                <a:endParaRPr lang="zh-TW" altLang="en-US" dirty="0">
+                  <a:latin typeface="Times New Roman" panose="02020603050405020304" pitchFamily="18" charset="0"/>
+                  <a:cs typeface="Times New Roman" panose="02020603050405020304" pitchFamily="18" charset="0"/>
+                </a:endParaRPr>
+              </a:p>
+            </p:txBody>
+          </p:sp>
+          <p:cxnSp>
+            <p:nvCxnSpPr>
+              <p:cNvPr id="13" name="直線單箭頭接點 12">
+                <a:extLst>
+                  <a:ext uri="{FF2B5EF4-FFF2-40B4-BE49-F238E27FC236}">
+                    <a16:creationId xmlns:a16="http://schemas.microsoft.com/office/drawing/2014/main" id="{F9D48AEE-DF47-4BFF-B039-C5B95D88FC39}"/>
+                  </a:ext>
+                </a:extLst>
+              </p:cNvPr>
+              <p:cNvCxnSpPr>
+                <a:stCxn id="4" idx="6"/>
+                <a:endCxn id="6" idx="2"/>
+              </p:cNvCxnSpPr>
+              <p:nvPr/>
+            </p:nvCxnSpPr>
+            <p:spPr>
+              <a:xfrm>
+                <a:off x="4609322" y="2202024"/>
+                <a:ext cx="556725" cy="0"/>
+              </a:xfrm>
+              <a:prstGeom prst="straightConnector1">
+                <a:avLst/>
+              </a:prstGeom>
+              <a:ln>
+                <a:tailEnd type="triangle"/>
+              </a:ln>
+            </p:spPr>
+            <p:style>
+              <a:lnRef idx="1">
+                <a:schemeClr val="accent1"/>
+              </a:lnRef>
+              <a:fillRef idx="0">
+                <a:schemeClr val="accent1"/>
+              </a:fillRef>
+              <a:effectRef idx="0">
+                <a:schemeClr val="accent1"/>
+              </a:effectRef>
+              <a:fontRef idx="minor">
+                <a:schemeClr val="tx1"/>
+              </a:fontRef>
+            </p:style>
+          </p:cxnSp>
+          <p:cxnSp>
+            <p:nvCxnSpPr>
+              <p:cNvPr id="15" name="直線單箭頭接點 14">
+                <a:extLst>
+                  <a:ext uri="{FF2B5EF4-FFF2-40B4-BE49-F238E27FC236}">
+                    <a16:creationId xmlns:a16="http://schemas.microsoft.com/office/drawing/2014/main" id="{B27D80B5-969F-4175-971B-0A36F163A209}"/>
+                  </a:ext>
+                </a:extLst>
+              </p:cNvPr>
+              <p:cNvCxnSpPr>
+                <a:stCxn id="6" idx="6"/>
+                <a:endCxn id="8" idx="2"/>
+              </p:cNvCxnSpPr>
+              <p:nvPr/>
+            </p:nvCxnSpPr>
+            <p:spPr>
+              <a:xfrm>
+                <a:off x="6584300" y="2202024"/>
+                <a:ext cx="556725" cy="0"/>
+              </a:xfrm>
+              <a:prstGeom prst="straightConnector1">
+                <a:avLst/>
+              </a:prstGeom>
+              <a:ln>
+                <a:tailEnd type="triangle"/>
+              </a:ln>
+            </p:spPr>
+            <p:style>
+              <a:lnRef idx="1">
+                <a:schemeClr val="accent1"/>
+              </a:lnRef>
+              <a:fillRef idx="0">
+                <a:schemeClr val="accent1"/>
+              </a:fillRef>
+              <a:effectRef idx="0">
+                <a:schemeClr val="accent1"/>
+              </a:effectRef>
+              <a:fontRef idx="minor">
+                <a:schemeClr val="tx1"/>
+              </a:fontRef>
+            </p:style>
+          </p:cxnSp>
+          <p:cxnSp>
+            <p:nvCxnSpPr>
+              <p:cNvPr id="17" name="接點: 弧形 16">
+                <a:extLst>
+                  <a:ext uri="{FF2B5EF4-FFF2-40B4-BE49-F238E27FC236}">
+                    <a16:creationId xmlns:a16="http://schemas.microsoft.com/office/drawing/2014/main" id="{C335F0C7-6876-45F1-99A2-59C1FD5E6BB9}"/>
+                  </a:ext>
+                </a:extLst>
+              </p:cNvPr>
+              <p:cNvCxnSpPr>
+                <a:stCxn id="8" idx="6"/>
+                <a:endCxn id="11" idx="2"/>
+              </p:cNvCxnSpPr>
+              <p:nvPr/>
+            </p:nvCxnSpPr>
+            <p:spPr>
+              <a:xfrm flipH="1">
+                <a:off x="3191069" y="2202024"/>
+                <a:ext cx="5368209" cy="2286000"/>
+              </a:xfrm>
+              <a:prstGeom prst="curvedConnector5">
+                <a:avLst>
+                  <a:gd name="adj1" fmla="val -4258"/>
+                  <a:gd name="adj2" fmla="val 50000"/>
+                  <a:gd name="adj3" fmla="val 104258"/>
+                </a:avLst>
+              </a:prstGeom>
+              <a:ln>
+                <a:tailEnd type="triangle"/>
+              </a:ln>
+            </p:spPr>
+            <p:style>
+              <a:lnRef idx="1">
+                <a:schemeClr val="accent1"/>
+              </a:lnRef>
+              <a:fillRef idx="0">
+                <a:schemeClr val="accent1"/>
+              </a:fillRef>
+              <a:effectRef idx="0">
+                <a:schemeClr val="accent1"/>
+              </a:effectRef>
+              <a:fontRef idx="minor">
+                <a:schemeClr val="tx1"/>
+              </a:fontRef>
+            </p:style>
+          </p:cxnSp>
+          <p:cxnSp>
+            <p:nvCxnSpPr>
+              <p:cNvPr id="19" name="直線單箭頭接點 18">
+                <a:extLst>
+                  <a:ext uri="{FF2B5EF4-FFF2-40B4-BE49-F238E27FC236}">
+                    <a16:creationId xmlns:a16="http://schemas.microsoft.com/office/drawing/2014/main" id="{D592BC95-2297-48B5-8909-25279F7DDFB8}"/>
+                  </a:ext>
+                </a:extLst>
+              </p:cNvPr>
+              <p:cNvCxnSpPr>
+                <a:stCxn id="11" idx="6"/>
+                <a:endCxn id="10" idx="2"/>
+              </p:cNvCxnSpPr>
+              <p:nvPr/>
+            </p:nvCxnSpPr>
+            <p:spPr>
+              <a:xfrm>
+                <a:off x="4609322" y="4488024"/>
+                <a:ext cx="556725" cy="0"/>
+              </a:xfrm>
+              <a:prstGeom prst="straightConnector1">
+                <a:avLst/>
+              </a:prstGeom>
+              <a:ln>
+                <a:tailEnd type="triangle"/>
+              </a:ln>
+            </p:spPr>
+            <p:style>
+              <a:lnRef idx="1">
+                <a:schemeClr val="accent1"/>
+              </a:lnRef>
+              <a:fillRef idx="0">
+                <a:schemeClr val="accent1"/>
+              </a:fillRef>
+              <a:effectRef idx="0">
+                <a:schemeClr val="accent1"/>
+              </a:effectRef>
+              <a:fontRef idx="minor">
+                <a:schemeClr val="tx1"/>
+              </a:fontRef>
+            </p:style>
+          </p:cxnSp>
+          <p:cxnSp>
+            <p:nvCxnSpPr>
+              <p:cNvPr id="21" name="直線單箭頭接點 20">
+                <a:extLst>
+                  <a:ext uri="{FF2B5EF4-FFF2-40B4-BE49-F238E27FC236}">
+                    <a16:creationId xmlns:a16="http://schemas.microsoft.com/office/drawing/2014/main" id="{EB84E994-2074-4150-A9F7-99B4C7A847E8}"/>
+                  </a:ext>
+                </a:extLst>
+              </p:cNvPr>
+              <p:cNvCxnSpPr>
+                <a:stCxn id="10" idx="6"/>
+                <a:endCxn id="9" idx="2"/>
+              </p:cNvCxnSpPr>
+              <p:nvPr/>
+            </p:nvCxnSpPr>
+            <p:spPr>
+              <a:xfrm>
+                <a:off x="6584300" y="4488024"/>
+                <a:ext cx="556725" cy="0"/>
+              </a:xfrm>
+              <a:prstGeom prst="straightConnector1">
+                <a:avLst/>
+              </a:prstGeom>
+              <a:ln>
+                <a:tailEnd type="triangle"/>
+              </a:ln>
+            </p:spPr>
+            <p:style>
+              <a:lnRef idx="1">
+                <a:schemeClr val="accent1"/>
+              </a:lnRef>
+              <a:fillRef idx="0">
+                <a:schemeClr val="accent1"/>
+              </a:fillRef>
+              <a:effectRef idx="0">
+                <a:schemeClr val="accent1"/>
+              </a:effectRef>
+              <a:fontRef idx="minor">
+                <a:schemeClr val="tx1"/>
+              </a:fontRef>
+            </p:style>
+          </p:cxnSp>
+          <p:sp>
+            <p:nvSpPr>
+              <p:cNvPr id="23" name="橢圓 22">
+                <a:extLst>
+                  <a:ext uri="{FF2B5EF4-FFF2-40B4-BE49-F238E27FC236}">
+                    <a16:creationId xmlns:a16="http://schemas.microsoft.com/office/drawing/2014/main" id="{A9F2AC60-7161-44B5-A2C1-7929E19030B4}"/>
+                  </a:ext>
+                </a:extLst>
+              </p:cNvPr>
+              <p:cNvSpPr/>
+              <p:nvPr/>
+            </p:nvSpPr>
+            <p:spPr>
+              <a:xfrm>
+                <a:off x="9116003" y="3778897"/>
+                <a:ext cx="1418253" cy="1418253"/>
+              </a:xfrm>
+              <a:prstGeom prst="ellipse">
+                <a:avLst/>
+              </a:prstGeom>
+            </p:spPr>
+            <p:style>
+              <a:lnRef idx="2">
+                <a:schemeClr val="accent3">
+                  <a:shade val="50000"/>
+                </a:schemeClr>
+              </a:lnRef>
+              <a:fillRef idx="1">
+                <a:schemeClr val="accent3"/>
+              </a:fillRef>
+              <a:effectRef idx="0">
+                <a:schemeClr val="accent3"/>
+              </a:effectRef>
+              <a:fontRef idx="minor">
+                <a:schemeClr val="lt1"/>
+              </a:fontRef>
+            </p:style>
+            <p:txBody>
+              <a:bodyPr rtlCol="0" anchor="ctr"/>
+              <a:lstStyle>
+                <a:defPPr>
+                  <a:defRPr lang="zh-TW"/>
+                </a:defPPr>
+                <a:lvl1pPr marL="0" algn="l" defTabSz="914400" rtl="0" eaLnBrk="1" latinLnBrk="0" hangingPunct="1">
+                  <a:defRPr sz="1800" kern="1200">
+                    <a:solidFill>
+                      <a:schemeClr val="lt1"/>
+                    </a:solidFill>
+                    <a:latin typeface="+mn-lt"/>
+                    <a:ea typeface="+mn-ea"/>
+                    <a:cs typeface="+mn-cs"/>
+                  </a:defRPr>
+                </a:lvl1pPr>
+                <a:lvl2pPr marL="457200" algn="l" defTabSz="914400" rtl="0" eaLnBrk="1" latinLnBrk="0" hangingPunct="1">
+                  <a:defRPr sz="1800" kern="1200">
+                    <a:solidFill>
+                      <a:schemeClr val="lt1"/>
+                    </a:solidFill>
+                    <a:latin typeface="+mn-lt"/>
+                    <a:ea typeface="+mn-ea"/>
+                    <a:cs typeface="+mn-cs"/>
+                  </a:defRPr>
+                </a:lvl2pPr>
+                <a:lvl3pPr marL="914400" algn="l" defTabSz="914400" rtl="0" eaLnBrk="1" latinLnBrk="0" hangingPunct="1">
+                  <a:defRPr sz="1800" kern="1200">
+                    <a:solidFill>
+                      <a:schemeClr val="lt1"/>
+                    </a:solidFill>
+                    <a:latin typeface="+mn-lt"/>
+                    <a:ea typeface="+mn-ea"/>
+                    <a:cs typeface="+mn-cs"/>
+                  </a:defRPr>
+                </a:lvl3pPr>
+                <a:lvl4pPr marL="1371600" algn="l" defTabSz="914400" rtl="0" eaLnBrk="1" latinLnBrk="0" hangingPunct="1">
+                  <a:defRPr sz="1800" kern="1200">
+                    <a:solidFill>
+                      <a:schemeClr val="lt1"/>
+                    </a:solidFill>
+                    <a:latin typeface="+mn-lt"/>
+                    <a:ea typeface="+mn-ea"/>
+                    <a:cs typeface="+mn-cs"/>
+                  </a:defRPr>
+                </a:lvl4pPr>
+                <a:lvl5pPr marL="1828800" algn="l" defTabSz="914400" rtl="0" eaLnBrk="1" latinLnBrk="0" hangingPunct="1">
+                  <a:defRPr sz="1800" kern="1200">
+                    <a:solidFill>
+                      <a:schemeClr val="lt1"/>
+                    </a:solidFill>
+                    <a:latin typeface="+mn-lt"/>
+                    <a:ea typeface="+mn-ea"/>
+                    <a:cs typeface="+mn-cs"/>
+                  </a:defRPr>
+                </a:lvl5pPr>
+                <a:lvl6pPr marL="2286000" algn="l" defTabSz="914400" rtl="0" eaLnBrk="1" latinLnBrk="0" hangingPunct="1">
+                  <a:defRPr sz="1800" kern="1200">
+                    <a:solidFill>
+                      <a:schemeClr val="lt1"/>
+                    </a:solidFill>
+                    <a:latin typeface="+mn-lt"/>
+                    <a:ea typeface="+mn-ea"/>
+                    <a:cs typeface="+mn-cs"/>
+                  </a:defRPr>
+                </a:lvl6pPr>
+                <a:lvl7pPr marL="2743200" algn="l" defTabSz="914400" rtl="0" eaLnBrk="1" latinLnBrk="0" hangingPunct="1">
+                  <a:defRPr sz="1800" kern="1200">
+                    <a:solidFill>
+                      <a:schemeClr val="lt1"/>
+                    </a:solidFill>
+                    <a:latin typeface="+mn-lt"/>
+                    <a:ea typeface="+mn-ea"/>
+                    <a:cs typeface="+mn-cs"/>
+                  </a:defRPr>
+                </a:lvl7pPr>
+                <a:lvl8pPr marL="3200400" algn="l" defTabSz="914400" rtl="0" eaLnBrk="1" latinLnBrk="0" hangingPunct="1">
+                  <a:defRPr sz="1800" kern="1200">
+                    <a:solidFill>
+                      <a:schemeClr val="lt1"/>
+                    </a:solidFill>
+                    <a:latin typeface="+mn-lt"/>
+                    <a:ea typeface="+mn-ea"/>
+                    <a:cs typeface="+mn-cs"/>
+                  </a:defRPr>
+                </a:lvl8pPr>
+                <a:lvl9pPr marL="3657600" algn="l" defTabSz="914400" rtl="0" eaLnBrk="1" latinLnBrk="0" hangingPunct="1">
+                  <a:defRPr sz="1800" kern="1200">
+                    <a:solidFill>
+                      <a:schemeClr val="lt1"/>
+                    </a:solidFill>
+                    <a:latin typeface="+mn-lt"/>
+                    <a:ea typeface="+mn-ea"/>
+                    <a:cs typeface="+mn-cs"/>
+                  </a:defRPr>
+                </a:lvl9pPr>
+              </a:lstStyle>
+              <a:p>
+                <a:pPr algn="ctr"/>
+                <a:r>
+                  <a:rPr lang="en-US" altLang="zh-TW" dirty="0">
+                    <a:latin typeface="Times New Roman" panose="02020603050405020304" pitchFamily="18" charset="0"/>
+                    <a:cs typeface="Times New Roman" panose="02020603050405020304" pitchFamily="18" charset="0"/>
+                  </a:rPr>
+                  <a:t>Done</a:t>
+                </a:r>
+                <a:endParaRPr lang="zh-TW" altLang="en-US" dirty="0">
+                  <a:latin typeface="Times New Roman" panose="02020603050405020304" pitchFamily="18" charset="0"/>
+                  <a:cs typeface="Times New Roman" panose="02020603050405020304" pitchFamily="18" charset="0"/>
+                </a:endParaRPr>
+              </a:p>
+            </p:txBody>
+          </p:sp>
+          <p:cxnSp>
+            <p:nvCxnSpPr>
+              <p:cNvPr id="25" name="直線單箭頭接點 24">
+                <a:extLst>
+                  <a:ext uri="{FF2B5EF4-FFF2-40B4-BE49-F238E27FC236}">
+                    <a16:creationId xmlns:a16="http://schemas.microsoft.com/office/drawing/2014/main" id="{0ECA08F4-004C-4F6B-845C-E511827487E2}"/>
+                  </a:ext>
+                </a:extLst>
+              </p:cNvPr>
+              <p:cNvCxnSpPr>
+                <a:stCxn id="9" idx="6"/>
+                <a:endCxn id="23" idx="2"/>
+              </p:cNvCxnSpPr>
+              <p:nvPr/>
+            </p:nvCxnSpPr>
+            <p:spPr>
+              <a:xfrm>
+                <a:off x="8559278" y="4488024"/>
+                <a:ext cx="556725" cy="0"/>
+              </a:xfrm>
+              <a:prstGeom prst="straightConnector1">
+                <a:avLst/>
+              </a:prstGeom>
+              <a:ln>
+                <a:tailEnd type="triangle"/>
+              </a:ln>
+            </p:spPr>
+            <p:style>
+              <a:lnRef idx="1">
+                <a:schemeClr val="accent1"/>
+              </a:lnRef>
+              <a:fillRef idx="0">
+                <a:schemeClr val="accent1"/>
+              </a:fillRef>
+              <a:effectRef idx="0">
+                <a:schemeClr val="accent1"/>
+              </a:effectRef>
+              <a:fontRef idx="minor">
+                <a:schemeClr val="tx1"/>
+              </a:fontRef>
+            </p:style>
+          </p:cxnSp>
+          <p:cxnSp>
+            <p:nvCxnSpPr>
+              <p:cNvPr id="27" name="接點: 弧形 26">
+                <a:extLst>
+                  <a:ext uri="{FF2B5EF4-FFF2-40B4-BE49-F238E27FC236}">
+                    <a16:creationId xmlns:a16="http://schemas.microsoft.com/office/drawing/2014/main" id="{44EC1820-A420-4C99-A58B-483A30DEA38C}"/>
+                  </a:ext>
+                </a:extLst>
+              </p:cNvPr>
+              <p:cNvCxnSpPr>
+                <a:stCxn id="4" idx="1"/>
+                <a:endCxn id="4" idx="7"/>
+              </p:cNvCxnSpPr>
+              <p:nvPr/>
+            </p:nvCxnSpPr>
+            <p:spPr>
+              <a:xfrm rot="5400000" flipH="1" flipV="1">
+                <a:off x="3900195" y="1199167"/>
+                <a:ext cx="12700" cy="1002857"/>
+              </a:xfrm>
+              <a:prstGeom prst="curvedConnector3">
+                <a:avLst>
+                  <a:gd name="adj1" fmla="val 3435417"/>
+                </a:avLst>
+              </a:prstGeom>
+              <a:ln>
+                <a:tailEnd type="triangle"/>
+              </a:ln>
+            </p:spPr>
+            <p:style>
+              <a:lnRef idx="1">
+                <a:schemeClr val="accent1"/>
+              </a:lnRef>
+              <a:fillRef idx="0">
+                <a:schemeClr val="accent1"/>
+              </a:fillRef>
+              <a:effectRef idx="0">
+                <a:schemeClr val="accent1"/>
+              </a:effectRef>
+              <a:fontRef idx="minor">
+                <a:schemeClr val="tx1"/>
+              </a:fontRef>
+            </p:style>
+          </p:cxnSp>
+          <p:cxnSp>
+            <p:nvCxnSpPr>
+              <p:cNvPr id="29" name="接點: 弧形 28">
+                <a:extLst>
+                  <a:ext uri="{FF2B5EF4-FFF2-40B4-BE49-F238E27FC236}">
+                    <a16:creationId xmlns:a16="http://schemas.microsoft.com/office/drawing/2014/main" id="{754A0872-02BE-4640-8AFA-DA3CE21AB4F9}"/>
+                  </a:ext>
+                </a:extLst>
+              </p:cNvPr>
+              <p:cNvCxnSpPr>
+                <a:stCxn id="6" idx="1"/>
+                <a:endCxn id="6" idx="7"/>
+              </p:cNvCxnSpPr>
+              <p:nvPr/>
+            </p:nvCxnSpPr>
+            <p:spPr>
+              <a:xfrm rot="5400000" flipH="1" flipV="1">
+                <a:off x="5875173" y="1199167"/>
+                <a:ext cx="12700" cy="1002857"/>
+              </a:xfrm>
+              <a:prstGeom prst="curvedConnector3">
+                <a:avLst>
+                  <a:gd name="adj1" fmla="val 3435417"/>
+                </a:avLst>
+              </a:prstGeom>
+              <a:ln>
+                <a:tailEnd type="triangle"/>
+              </a:ln>
+            </p:spPr>
+            <p:style>
+              <a:lnRef idx="1">
+                <a:schemeClr val="accent1"/>
+              </a:lnRef>
+              <a:fillRef idx="0">
+                <a:schemeClr val="accent1"/>
+              </a:fillRef>
+              <a:effectRef idx="0">
+                <a:schemeClr val="accent1"/>
+              </a:effectRef>
+              <a:fontRef idx="minor">
+                <a:schemeClr val="tx1"/>
+              </a:fontRef>
+            </p:style>
+          </p:cxnSp>
+          <p:cxnSp>
+            <p:nvCxnSpPr>
+              <p:cNvPr id="31" name="接點: 弧形 30">
+                <a:extLst>
+                  <a:ext uri="{FF2B5EF4-FFF2-40B4-BE49-F238E27FC236}">
+                    <a16:creationId xmlns:a16="http://schemas.microsoft.com/office/drawing/2014/main" id="{41E7A86D-2DB6-4376-9B5E-C76C8EF88C82}"/>
+                  </a:ext>
+                </a:extLst>
+              </p:cNvPr>
+              <p:cNvCxnSpPr>
+                <a:stCxn id="9" idx="3"/>
+                <a:endCxn id="9" idx="5"/>
+              </p:cNvCxnSpPr>
+              <p:nvPr/>
+            </p:nvCxnSpPr>
+            <p:spPr>
+              <a:xfrm rot="16200000" flipH="1">
+                <a:off x="7850151" y="4488023"/>
+                <a:ext cx="12700" cy="1002857"/>
+              </a:xfrm>
+              <a:prstGeom prst="curvedConnector3">
+                <a:avLst>
+                  <a:gd name="adj1" fmla="val 3435417"/>
+                </a:avLst>
+              </a:prstGeom>
+              <a:ln>
+                <a:tailEnd type="triangle"/>
+              </a:ln>
+            </p:spPr>
+            <p:style>
+              <a:lnRef idx="1">
+                <a:schemeClr val="accent1"/>
+              </a:lnRef>
+              <a:fillRef idx="0">
+                <a:schemeClr val="accent1"/>
+              </a:fillRef>
+              <a:effectRef idx="0">
+                <a:schemeClr val="accent1"/>
+              </a:effectRef>
+              <a:fontRef idx="minor">
+                <a:schemeClr val="tx1"/>
+              </a:fontRef>
+            </p:style>
+          </p:cxnSp>
+          <p:sp>
+            <p:nvSpPr>
+              <p:cNvPr id="32" name="文字方塊 31">
+                <a:extLst>
+                  <a:ext uri="{FF2B5EF4-FFF2-40B4-BE49-F238E27FC236}">
+                    <a16:creationId xmlns:a16="http://schemas.microsoft.com/office/drawing/2014/main" id="{DFE5512A-287F-4933-B8D2-D8070EDE803D}"/>
+                  </a:ext>
+                </a:extLst>
+              </p:cNvPr>
+              <p:cNvSpPr txBox="1"/>
+              <p:nvPr/>
+            </p:nvSpPr>
+            <p:spPr>
+              <a:xfrm>
+                <a:off x="3963809" y="2371921"/>
+                <a:ext cx="1790875" cy="369332"/>
+              </a:xfrm>
+              <a:prstGeom prst="rect">
+                <a:avLst/>
+              </a:prstGeom>
+              <a:noFill/>
+            </p:spPr>
+            <p:txBody>
+              <a:bodyPr wrap="none" rtlCol="0">
+                <a:spAutoFit/>
+              </a:bodyPr>
+              <a:lstStyle/>
+              <a:p>
+                <a:r>
+                  <a:rPr lang="en-US" altLang="zh-TW" dirty="0">
+                    <a:latin typeface="Times New Roman" panose="02020603050405020304" pitchFamily="18" charset="0"/>
+                    <a:cs typeface="Times New Roman" panose="02020603050405020304" pitchFamily="18" charset="0"/>
+                  </a:rPr>
+                  <a:t>ready == `Enable</a:t>
+                </a:r>
+                <a:endParaRPr lang="zh-TW" altLang="en-US" dirty="0">
+                  <a:latin typeface="Times New Roman" panose="02020603050405020304" pitchFamily="18" charset="0"/>
+                  <a:cs typeface="Times New Roman" panose="02020603050405020304" pitchFamily="18" charset="0"/>
+                </a:endParaRPr>
+              </a:p>
+            </p:txBody>
+          </p:sp>
+          <p:sp>
+            <p:nvSpPr>
+              <p:cNvPr id="34" name="文字方塊 33">
+                <a:extLst>
+                  <a:ext uri="{FF2B5EF4-FFF2-40B4-BE49-F238E27FC236}">
+                    <a16:creationId xmlns:a16="http://schemas.microsoft.com/office/drawing/2014/main" id="{01AB9EEF-DD37-44BB-B881-594D47F97D6C}"/>
+                  </a:ext>
+                </a:extLst>
+              </p:cNvPr>
+              <p:cNvSpPr txBox="1"/>
+              <p:nvPr/>
+            </p:nvSpPr>
+            <p:spPr>
+              <a:xfrm>
+                <a:off x="4751726" y="907477"/>
+                <a:ext cx="2291012" cy="369332"/>
+              </a:xfrm>
+              <a:prstGeom prst="rect">
+                <a:avLst/>
+              </a:prstGeom>
+              <a:noFill/>
+            </p:spPr>
+            <p:txBody>
+              <a:bodyPr wrap="none" rtlCol="0">
+                <a:spAutoFit/>
+              </a:bodyPr>
+              <a:lstStyle/>
+              <a:p>
+                <a:r>
+                  <a:rPr lang="en-US" altLang="zh-TW" dirty="0" err="1">
+                    <a:latin typeface="Times New Roman" panose="02020603050405020304" pitchFamily="18" charset="0"/>
+                    <a:cs typeface="Times New Roman" panose="02020603050405020304" pitchFamily="18" charset="0"/>
+                  </a:rPr>
+                  <a:t>conv_done</a:t>
+                </a:r>
+                <a:r>
+                  <a:rPr lang="en-US" altLang="zh-TW" dirty="0">
+                    <a:latin typeface="Times New Roman" panose="02020603050405020304" pitchFamily="18" charset="0"/>
+                    <a:cs typeface="Times New Roman" panose="02020603050405020304" pitchFamily="18" charset="0"/>
+                  </a:rPr>
+                  <a:t> == `Enable</a:t>
+                </a:r>
+                <a:endParaRPr lang="zh-TW" altLang="en-US" dirty="0">
+                  <a:latin typeface="Times New Roman" panose="02020603050405020304" pitchFamily="18" charset="0"/>
+                  <a:cs typeface="Times New Roman" panose="02020603050405020304" pitchFamily="18" charset="0"/>
+                </a:endParaRPr>
+              </a:p>
+            </p:txBody>
+          </p:sp>
+          <p:sp>
+            <p:nvSpPr>
+              <p:cNvPr id="36" name="文字方塊 35">
+                <a:extLst>
+                  <a:ext uri="{FF2B5EF4-FFF2-40B4-BE49-F238E27FC236}">
+                    <a16:creationId xmlns:a16="http://schemas.microsoft.com/office/drawing/2014/main" id="{C236EE27-1B1A-46DC-B335-5E04C1B9E609}"/>
+                  </a:ext>
+                </a:extLst>
+              </p:cNvPr>
+              <p:cNvSpPr txBox="1"/>
+              <p:nvPr/>
+            </p:nvSpPr>
+            <p:spPr>
+              <a:xfrm>
+                <a:off x="3243630" y="1111707"/>
+                <a:ext cx="1854995" cy="369332"/>
+              </a:xfrm>
+              <a:prstGeom prst="rect">
+                <a:avLst/>
+              </a:prstGeom>
+              <a:noFill/>
+            </p:spPr>
+            <p:txBody>
+              <a:bodyPr wrap="none" rtlCol="0">
+                <a:spAutoFit/>
+              </a:bodyPr>
+              <a:lstStyle/>
+              <a:p>
+                <a:r>
+                  <a:rPr lang="en-US" altLang="zh-TW" dirty="0">
+                    <a:latin typeface="Times New Roman" panose="02020603050405020304" pitchFamily="18" charset="0"/>
+                    <a:cs typeface="Times New Roman" panose="02020603050405020304" pitchFamily="18" charset="0"/>
+                  </a:rPr>
+                  <a:t>ready == `Disable</a:t>
+                </a:r>
+                <a:endParaRPr lang="zh-TW" altLang="en-US" dirty="0">
+                  <a:latin typeface="Times New Roman" panose="02020603050405020304" pitchFamily="18" charset="0"/>
+                  <a:cs typeface="Times New Roman" panose="02020603050405020304" pitchFamily="18" charset="0"/>
+                </a:endParaRPr>
+              </a:p>
+            </p:txBody>
+          </p:sp>
+          <p:sp>
+            <p:nvSpPr>
+              <p:cNvPr id="38" name="文字方塊 37">
+                <a:extLst>
+                  <a:ext uri="{FF2B5EF4-FFF2-40B4-BE49-F238E27FC236}">
+                    <a16:creationId xmlns:a16="http://schemas.microsoft.com/office/drawing/2014/main" id="{28E4131A-F9A4-4F28-9400-2D5593C417EC}"/>
+                  </a:ext>
+                </a:extLst>
+              </p:cNvPr>
+              <p:cNvSpPr txBox="1"/>
+              <p:nvPr/>
+            </p:nvSpPr>
+            <p:spPr>
+              <a:xfrm>
+                <a:off x="5707217" y="2574693"/>
+                <a:ext cx="2355132" cy="369332"/>
+              </a:xfrm>
+              <a:prstGeom prst="rect">
+                <a:avLst/>
+              </a:prstGeom>
+              <a:noFill/>
+            </p:spPr>
+            <p:txBody>
+              <a:bodyPr wrap="none" rtlCol="0">
+                <a:spAutoFit/>
+              </a:bodyPr>
+              <a:lstStyle/>
+              <a:p>
+                <a:r>
+                  <a:rPr lang="en-US" altLang="zh-TW" dirty="0" err="1">
+                    <a:latin typeface="Times New Roman" panose="02020603050405020304" pitchFamily="18" charset="0"/>
+                    <a:cs typeface="Times New Roman" panose="02020603050405020304" pitchFamily="18" charset="0"/>
+                  </a:rPr>
+                  <a:t>conv_done</a:t>
+                </a:r>
+                <a:r>
+                  <a:rPr lang="en-US" altLang="zh-TW" dirty="0">
+                    <a:latin typeface="Times New Roman" panose="02020603050405020304" pitchFamily="18" charset="0"/>
+                    <a:cs typeface="Times New Roman" panose="02020603050405020304" pitchFamily="18" charset="0"/>
+                  </a:rPr>
+                  <a:t> == `Disable</a:t>
+                </a:r>
+                <a:endParaRPr lang="zh-TW" altLang="en-US" dirty="0">
+                  <a:latin typeface="Times New Roman" panose="02020603050405020304" pitchFamily="18" charset="0"/>
+                  <a:cs typeface="Times New Roman" panose="02020603050405020304" pitchFamily="18" charset="0"/>
+                </a:endParaRPr>
+              </a:p>
+            </p:txBody>
+          </p:sp>
+          <p:sp>
+            <p:nvSpPr>
+              <p:cNvPr id="41" name="文字方塊 33">
+                <a:extLst>
+                  <a:ext uri="{FF2B5EF4-FFF2-40B4-BE49-F238E27FC236}">
+                    <a16:creationId xmlns:a16="http://schemas.microsoft.com/office/drawing/2014/main" id="{01AB9EEF-DD37-44BB-B881-594D47F97D6C}"/>
+                  </a:ext>
+                </a:extLst>
+              </p:cNvPr>
+              <p:cNvSpPr txBox="1"/>
+              <p:nvPr/>
+            </p:nvSpPr>
+            <p:spPr>
+              <a:xfrm>
+                <a:off x="6973853" y="5382403"/>
+                <a:ext cx="1752596" cy="369332"/>
+              </a:xfrm>
+              <a:prstGeom prst="rect">
+                <a:avLst/>
+              </a:prstGeom>
+              <a:noFill/>
+            </p:spPr>
+            <p:txBody>
+              <a:bodyPr wrap="none" rtlCol="0">
+                <a:spAutoFit/>
+              </a:bodyPr>
+              <a:lstStyle>
+                <a:defPPr>
+                  <a:defRPr lang="zh-TW"/>
+                </a:defPPr>
+                <a:lvl1pPr marL="0" algn="l" defTabSz="914400" rtl="0" eaLnBrk="1" latinLnBrk="0" hangingPunct="1">
+                  <a:defRPr sz="1800" kern="1200">
+                    <a:solidFill>
+                      <a:schemeClr val="tx1"/>
+                    </a:solidFill>
+                    <a:latin typeface="+mn-lt"/>
+                    <a:ea typeface="+mn-ea"/>
+                    <a:cs typeface="+mn-cs"/>
+                  </a:defRPr>
+                </a:lvl1pPr>
+                <a:lvl2pPr marL="457200" algn="l" defTabSz="914400" rtl="0" eaLnBrk="1" latinLnBrk="0" hangingPunct="1">
+                  <a:defRPr sz="1800" kern="1200">
+                    <a:solidFill>
+                      <a:schemeClr val="tx1"/>
+                    </a:solidFill>
+                    <a:latin typeface="+mn-lt"/>
+                    <a:ea typeface="+mn-ea"/>
+                    <a:cs typeface="+mn-cs"/>
+                  </a:defRPr>
+                </a:lvl2pPr>
+                <a:lvl3pPr marL="914400" algn="l" defTabSz="914400" rtl="0" eaLnBrk="1" latinLnBrk="0" hangingPunct="1">
+                  <a:defRPr sz="1800" kern="1200">
+                    <a:solidFill>
+                      <a:schemeClr val="tx1"/>
+                    </a:solidFill>
+                    <a:latin typeface="+mn-lt"/>
+                    <a:ea typeface="+mn-ea"/>
+                    <a:cs typeface="+mn-cs"/>
+                  </a:defRPr>
+                </a:lvl3pPr>
+                <a:lvl4pPr marL="1371600" algn="l" defTabSz="914400" rtl="0" eaLnBrk="1" latinLnBrk="0" hangingPunct="1">
+                  <a:defRPr sz="1800" kern="1200">
+                    <a:solidFill>
+                      <a:schemeClr val="tx1"/>
+                    </a:solidFill>
+                    <a:latin typeface="+mn-lt"/>
+                    <a:ea typeface="+mn-ea"/>
+                    <a:cs typeface="+mn-cs"/>
+                  </a:defRPr>
+                </a:lvl4pPr>
+                <a:lvl5pPr marL="1828800" algn="l" defTabSz="914400" rtl="0" eaLnBrk="1" latinLnBrk="0" hangingPunct="1">
+                  <a:defRPr sz="1800" kern="1200">
+                    <a:solidFill>
+                      <a:schemeClr val="tx1"/>
+                    </a:solidFill>
+                    <a:latin typeface="+mn-lt"/>
+                    <a:ea typeface="+mn-ea"/>
+                    <a:cs typeface="+mn-cs"/>
+                  </a:defRPr>
+                </a:lvl5pPr>
+                <a:lvl6pPr marL="2286000" algn="l" defTabSz="914400" rtl="0" eaLnBrk="1" latinLnBrk="0" hangingPunct="1">
+                  <a:defRPr sz="1800" kern="1200">
+                    <a:solidFill>
+                      <a:schemeClr val="tx1"/>
+                    </a:solidFill>
+                    <a:latin typeface="+mn-lt"/>
+                    <a:ea typeface="+mn-ea"/>
+                    <a:cs typeface="+mn-cs"/>
+                  </a:defRPr>
+                </a:lvl6pPr>
+                <a:lvl7pPr marL="2743200" algn="l" defTabSz="914400" rtl="0" eaLnBrk="1" latinLnBrk="0" hangingPunct="1">
+                  <a:defRPr sz="1800" kern="1200">
+                    <a:solidFill>
+                      <a:schemeClr val="tx1"/>
+                    </a:solidFill>
+                    <a:latin typeface="+mn-lt"/>
+                    <a:ea typeface="+mn-ea"/>
+                    <a:cs typeface="+mn-cs"/>
+                  </a:defRPr>
+                </a:lvl7pPr>
+                <a:lvl8pPr marL="3200400" algn="l" defTabSz="914400" rtl="0" eaLnBrk="1" latinLnBrk="0" hangingPunct="1">
+                  <a:defRPr sz="1800" kern="1200">
+                    <a:solidFill>
+                      <a:schemeClr val="tx1"/>
+                    </a:solidFill>
+                    <a:latin typeface="+mn-lt"/>
+                    <a:ea typeface="+mn-ea"/>
+                    <a:cs typeface="+mn-cs"/>
+                  </a:defRPr>
+                </a:lvl8pPr>
+                <a:lvl9pPr marL="3657600" algn="l" defTabSz="914400" rtl="0" eaLnBrk="1" latinLnBrk="0" hangingPunct="1">
+                  <a:defRPr sz="1800" kern="1200">
+                    <a:solidFill>
+                      <a:schemeClr val="tx1"/>
+                    </a:solidFill>
+                    <a:latin typeface="+mn-lt"/>
+                    <a:ea typeface="+mn-ea"/>
+                    <a:cs typeface="+mn-cs"/>
+                  </a:defRPr>
+                </a:lvl9pPr>
+              </a:lstStyle>
+              <a:p>
+                <a:r>
+                  <a:rPr lang="en-US" altLang="zh-TW" dirty="0">
+                    <a:latin typeface="Times New Roman" panose="02020603050405020304" pitchFamily="18" charset="0"/>
+                    <a:cs typeface="Times New Roman" panose="02020603050405020304" pitchFamily="18" charset="0"/>
+                  </a:rPr>
+                  <a:t>pointer != 66045</a:t>
+                </a:r>
+                <a:endParaRPr lang="zh-TW" altLang="en-US" dirty="0">
+                  <a:latin typeface="Times New Roman" panose="02020603050405020304" pitchFamily="18" charset="0"/>
+                  <a:cs typeface="Times New Roman" panose="02020603050405020304" pitchFamily="18" charset="0"/>
+                </a:endParaRPr>
+              </a:p>
+            </p:txBody>
+          </p:sp>
+          <p:sp>
+            <p:nvSpPr>
+              <p:cNvPr id="43" name="文字方塊 33">
+                <a:extLst>
+                  <a:ext uri="{FF2B5EF4-FFF2-40B4-BE49-F238E27FC236}">
+                    <a16:creationId xmlns:a16="http://schemas.microsoft.com/office/drawing/2014/main" id="{B863A664-14F1-4F48-9682-F145B2ABD0EB}"/>
+                  </a:ext>
+                </a:extLst>
+              </p:cNvPr>
+              <p:cNvSpPr txBox="1"/>
+              <p:nvPr/>
+            </p:nvSpPr>
+            <p:spPr>
+              <a:xfrm>
+                <a:off x="7941305" y="3809235"/>
+                <a:ext cx="1792670" cy="369332"/>
+              </a:xfrm>
+              <a:prstGeom prst="rect">
+                <a:avLst/>
+              </a:prstGeom>
+              <a:noFill/>
+            </p:spPr>
+            <p:txBody>
+              <a:bodyPr wrap="none" rtlCol="0">
+                <a:spAutoFit/>
+              </a:bodyPr>
+              <a:lstStyle>
+                <a:defPPr>
+                  <a:defRPr lang="zh-TW"/>
+                </a:defPPr>
+                <a:lvl1pPr marL="0" algn="l" defTabSz="914400" rtl="0" eaLnBrk="1" latinLnBrk="0" hangingPunct="1">
+                  <a:defRPr sz="1800" kern="1200">
+                    <a:solidFill>
+                      <a:schemeClr val="tx1"/>
+                    </a:solidFill>
+                    <a:latin typeface="+mn-lt"/>
+                    <a:ea typeface="+mn-ea"/>
+                    <a:cs typeface="+mn-cs"/>
+                  </a:defRPr>
+                </a:lvl1pPr>
+                <a:lvl2pPr marL="457200" algn="l" defTabSz="914400" rtl="0" eaLnBrk="1" latinLnBrk="0" hangingPunct="1">
+                  <a:defRPr sz="1800" kern="1200">
+                    <a:solidFill>
+                      <a:schemeClr val="tx1"/>
+                    </a:solidFill>
+                    <a:latin typeface="+mn-lt"/>
+                    <a:ea typeface="+mn-ea"/>
+                    <a:cs typeface="+mn-cs"/>
+                  </a:defRPr>
+                </a:lvl2pPr>
+                <a:lvl3pPr marL="914400" algn="l" defTabSz="914400" rtl="0" eaLnBrk="1" latinLnBrk="0" hangingPunct="1">
+                  <a:defRPr sz="1800" kern="1200">
+                    <a:solidFill>
+                      <a:schemeClr val="tx1"/>
+                    </a:solidFill>
+                    <a:latin typeface="+mn-lt"/>
+                    <a:ea typeface="+mn-ea"/>
+                    <a:cs typeface="+mn-cs"/>
+                  </a:defRPr>
+                </a:lvl3pPr>
+                <a:lvl4pPr marL="1371600" algn="l" defTabSz="914400" rtl="0" eaLnBrk="1" latinLnBrk="0" hangingPunct="1">
+                  <a:defRPr sz="1800" kern="1200">
+                    <a:solidFill>
+                      <a:schemeClr val="tx1"/>
+                    </a:solidFill>
+                    <a:latin typeface="+mn-lt"/>
+                    <a:ea typeface="+mn-ea"/>
+                    <a:cs typeface="+mn-cs"/>
+                  </a:defRPr>
+                </a:lvl4pPr>
+                <a:lvl5pPr marL="1828800" algn="l" defTabSz="914400" rtl="0" eaLnBrk="1" latinLnBrk="0" hangingPunct="1">
+                  <a:defRPr sz="1800" kern="1200">
+                    <a:solidFill>
+                      <a:schemeClr val="tx1"/>
+                    </a:solidFill>
+                    <a:latin typeface="+mn-lt"/>
+                    <a:ea typeface="+mn-ea"/>
+                    <a:cs typeface="+mn-cs"/>
+                  </a:defRPr>
+                </a:lvl5pPr>
+                <a:lvl6pPr marL="2286000" algn="l" defTabSz="914400" rtl="0" eaLnBrk="1" latinLnBrk="0" hangingPunct="1">
+                  <a:defRPr sz="1800" kern="1200">
+                    <a:solidFill>
+                      <a:schemeClr val="tx1"/>
+                    </a:solidFill>
+                    <a:latin typeface="+mn-lt"/>
+                    <a:ea typeface="+mn-ea"/>
+                    <a:cs typeface="+mn-cs"/>
+                  </a:defRPr>
+                </a:lvl6pPr>
+                <a:lvl7pPr marL="2743200" algn="l" defTabSz="914400" rtl="0" eaLnBrk="1" latinLnBrk="0" hangingPunct="1">
+                  <a:defRPr sz="1800" kern="1200">
+                    <a:solidFill>
+                      <a:schemeClr val="tx1"/>
+                    </a:solidFill>
+                    <a:latin typeface="+mn-lt"/>
+                    <a:ea typeface="+mn-ea"/>
+                    <a:cs typeface="+mn-cs"/>
+                  </a:defRPr>
+                </a:lvl7pPr>
+                <a:lvl8pPr marL="3200400" algn="l" defTabSz="914400" rtl="0" eaLnBrk="1" latinLnBrk="0" hangingPunct="1">
+                  <a:defRPr sz="1800" kern="1200">
+                    <a:solidFill>
+                      <a:schemeClr val="tx1"/>
+                    </a:solidFill>
+                    <a:latin typeface="+mn-lt"/>
+                    <a:ea typeface="+mn-ea"/>
+                    <a:cs typeface="+mn-cs"/>
+                  </a:defRPr>
+                </a:lvl8pPr>
+                <a:lvl9pPr marL="3657600" algn="l" defTabSz="914400" rtl="0" eaLnBrk="1" latinLnBrk="0" hangingPunct="1">
+                  <a:defRPr sz="1800" kern="1200">
+                    <a:solidFill>
+                      <a:schemeClr val="tx1"/>
+                    </a:solidFill>
+                    <a:latin typeface="+mn-lt"/>
+                    <a:ea typeface="+mn-ea"/>
+                    <a:cs typeface="+mn-cs"/>
+                  </a:defRPr>
+                </a:lvl9pPr>
+              </a:lstStyle>
+              <a:p>
+                <a:r>
+                  <a:rPr lang="en-US" altLang="zh-TW" dirty="0">
+                    <a:latin typeface="Times New Roman" panose="02020603050405020304" pitchFamily="18" charset="0"/>
+                    <a:cs typeface="Times New Roman" panose="02020603050405020304" pitchFamily="18" charset="0"/>
+                  </a:rPr>
+                  <a:t>pointer == 66045</a:t>
+                </a:r>
+                <a:endParaRPr lang="zh-TW" altLang="en-US" dirty="0">
+                  <a:latin typeface="Times New Roman" panose="02020603050405020304" pitchFamily="18" charset="0"/>
+                  <a:cs typeface="Times New Roman" panose="02020603050405020304" pitchFamily="18" charset="0"/>
+                </a:endParaRPr>
+              </a:p>
+            </p:txBody>
+          </p:sp>
+        </p:grpSp>
+        <p:cxnSp>
+          <p:nvCxnSpPr>
+            <p:cNvPr id="3" name="接點: 弧形 2">
               <a:extLst>
                 <a:ext uri="{FF2B5EF4-FFF2-40B4-BE49-F238E27FC236}">
-                  <a16:creationId xmlns:a16="http://schemas.microsoft.com/office/drawing/2014/main" id="{083865B9-8D4E-46EF-AB2C-D5DA73681AD3}"/>
-                </a:ext>
-              </a:extLst>
-            </p:cNvPr>
-            <p:cNvSpPr/>
-            <p:nvPr/>
-          </p:nvSpPr>
-          <p:spPr>
-            <a:xfrm>
-              <a:off x="5166047" y="1492897"/>
-              <a:ext cx="1418253" cy="1418253"/>
-            </a:xfrm>
-            <a:prstGeom prst="ellipse">
-              <a:avLst/>
-            </a:prstGeom>
-          </p:spPr>
-          <p:style>
-            <a:lnRef idx="2">
-              <a:schemeClr val="accent3">
-                <a:shade val="50000"/>
-              </a:schemeClr>
-            </a:lnRef>
-            <a:fillRef idx="1">
-              <a:schemeClr val="accent3"/>
-            </a:fillRef>
-            <a:effectRef idx="0">
-              <a:schemeClr val="accent3"/>
-            </a:effectRef>
-            <a:fontRef idx="minor">
-              <a:schemeClr val="lt1"/>
-            </a:fontRef>
-          </p:style>
-          <p:txBody>
-            <a:bodyPr rtlCol="0" anchor="ctr"/>
-            <a:lstStyle/>
-            <a:p>
-              <a:pPr algn="ctr"/>
-              <a:r>
-                <a:rPr lang="en-US" altLang="zh-TW" dirty="0">
-                  <a:latin typeface="Times New Roman" panose="02020603050405020304" pitchFamily="18" charset="0"/>
-                  <a:cs typeface="Times New Roman" panose="02020603050405020304" pitchFamily="18" charset="0"/>
-                </a:rPr>
-                <a:t>Conv</a:t>
-              </a:r>
-              <a:endParaRPr lang="zh-TW" altLang="en-US" dirty="0">
-                <a:latin typeface="Times New Roman" panose="02020603050405020304" pitchFamily="18" charset="0"/>
-                <a:cs typeface="Times New Roman" panose="02020603050405020304" pitchFamily="18" charset="0"/>
-              </a:endParaRPr>
-            </a:p>
-          </p:txBody>
-        </p:sp>
-        <p:sp>
-          <p:nvSpPr>
-            <p:cNvPr id="8" name="橢圓 7">
-              <a:extLst>
-                <a:ext uri="{FF2B5EF4-FFF2-40B4-BE49-F238E27FC236}">
-                  <a16:creationId xmlns:a16="http://schemas.microsoft.com/office/drawing/2014/main" id="{2F93032D-F558-4E76-8343-803C83D0FEC5}"/>
-                </a:ext>
-              </a:extLst>
-            </p:cNvPr>
-            <p:cNvSpPr/>
-            <p:nvPr/>
-          </p:nvSpPr>
-          <p:spPr>
-            <a:xfrm>
-              <a:off x="7141025" y="1492897"/>
-              <a:ext cx="1418253" cy="1418253"/>
-            </a:xfrm>
-            <a:prstGeom prst="ellipse">
-              <a:avLst/>
-            </a:prstGeom>
-          </p:spPr>
-          <p:style>
-            <a:lnRef idx="2">
-              <a:schemeClr val="accent3">
-                <a:shade val="50000"/>
-              </a:schemeClr>
-            </a:lnRef>
-            <a:fillRef idx="1">
-              <a:schemeClr val="accent3"/>
-            </a:fillRef>
-            <a:effectRef idx="0">
-              <a:schemeClr val="accent3"/>
-            </a:effectRef>
-            <a:fontRef idx="minor">
-              <a:schemeClr val="lt1"/>
-            </a:fontRef>
-          </p:style>
-          <p:txBody>
-            <a:bodyPr rtlCol="0" anchor="ctr"/>
-            <a:lstStyle/>
-            <a:p>
-              <a:pPr algn="ctr"/>
-              <a:r>
-                <a:rPr lang="en-US" altLang="zh-TW" dirty="0" err="1">
-                  <a:latin typeface="Times New Roman" panose="02020603050405020304" pitchFamily="18" charset="0"/>
-                  <a:cs typeface="Times New Roman" panose="02020603050405020304" pitchFamily="18" charset="0"/>
-                </a:rPr>
-                <a:t>Outx</a:t>
-              </a:r>
-              <a:endParaRPr lang="zh-TW" altLang="en-US" dirty="0">
-                <a:latin typeface="Times New Roman" panose="02020603050405020304" pitchFamily="18" charset="0"/>
-                <a:cs typeface="Times New Roman" panose="02020603050405020304" pitchFamily="18" charset="0"/>
-              </a:endParaRPr>
-            </a:p>
-          </p:txBody>
-        </p:sp>
-        <p:sp>
-          <p:nvSpPr>
-            <p:cNvPr id="9" name="橢圓 8">
-              <a:extLst>
-                <a:ext uri="{FF2B5EF4-FFF2-40B4-BE49-F238E27FC236}">
-                  <a16:creationId xmlns:a16="http://schemas.microsoft.com/office/drawing/2014/main" id="{1606064A-EA90-4AF5-BC53-32D0EA7460E3}"/>
-                </a:ext>
-              </a:extLst>
-            </p:cNvPr>
-            <p:cNvSpPr/>
-            <p:nvPr/>
-          </p:nvSpPr>
-          <p:spPr>
-            <a:xfrm>
-              <a:off x="7141025" y="3778897"/>
-              <a:ext cx="1418253" cy="1418253"/>
-            </a:xfrm>
-            <a:prstGeom prst="ellipse">
-              <a:avLst/>
-            </a:prstGeom>
-          </p:spPr>
-          <p:style>
-            <a:lnRef idx="2">
-              <a:schemeClr val="accent3">
-                <a:shade val="50000"/>
-              </a:schemeClr>
-            </a:lnRef>
-            <a:fillRef idx="1">
-              <a:schemeClr val="accent3"/>
-            </a:fillRef>
-            <a:effectRef idx="0">
-              <a:schemeClr val="accent3"/>
-            </a:effectRef>
-            <a:fontRef idx="minor">
-              <a:schemeClr val="lt1"/>
-            </a:fontRef>
-          </p:style>
-          <p:txBody>
-            <a:bodyPr rtlCol="0" anchor="ctr"/>
-            <a:lstStyle>
-              <a:defPPr>
-                <a:defRPr lang="zh-TW"/>
-              </a:defPPr>
-              <a:lvl1pPr marL="0" algn="l" defTabSz="914400" rtl="0" eaLnBrk="1" latinLnBrk="0" hangingPunct="1">
-                <a:defRPr sz="1800" kern="1200">
-                  <a:solidFill>
-                    <a:schemeClr val="lt1"/>
-                  </a:solidFill>
-                  <a:latin typeface="+mn-lt"/>
-                  <a:ea typeface="+mn-ea"/>
-                  <a:cs typeface="+mn-cs"/>
-                </a:defRPr>
-              </a:lvl1pPr>
-              <a:lvl2pPr marL="457200" algn="l" defTabSz="914400" rtl="0" eaLnBrk="1" latinLnBrk="0" hangingPunct="1">
-                <a:defRPr sz="1800" kern="1200">
-                  <a:solidFill>
-                    <a:schemeClr val="lt1"/>
-                  </a:solidFill>
-                  <a:latin typeface="+mn-lt"/>
-                  <a:ea typeface="+mn-ea"/>
-                  <a:cs typeface="+mn-cs"/>
-                </a:defRPr>
-              </a:lvl2pPr>
-              <a:lvl3pPr marL="914400" algn="l" defTabSz="914400" rtl="0" eaLnBrk="1" latinLnBrk="0" hangingPunct="1">
-                <a:defRPr sz="1800" kern="1200">
-                  <a:solidFill>
-                    <a:schemeClr val="lt1"/>
-                  </a:solidFill>
-                  <a:latin typeface="+mn-lt"/>
-                  <a:ea typeface="+mn-ea"/>
-                  <a:cs typeface="+mn-cs"/>
-                </a:defRPr>
-              </a:lvl3pPr>
-              <a:lvl4pPr marL="1371600" algn="l" defTabSz="914400" rtl="0" eaLnBrk="1" latinLnBrk="0" hangingPunct="1">
-                <a:defRPr sz="1800" kern="1200">
-                  <a:solidFill>
-                    <a:schemeClr val="lt1"/>
-                  </a:solidFill>
-                  <a:latin typeface="+mn-lt"/>
-                  <a:ea typeface="+mn-ea"/>
-                  <a:cs typeface="+mn-cs"/>
-                </a:defRPr>
-              </a:lvl4pPr>
-              <a:lvl5pPr marL="1828800" algn="l" defTabSz="914400" rtl="0" eaLnBrk="1" latinLnBrk="0" hangingPunct="1">
-                <a:defRPr sz="1800" kern="1200">
-                  <a:solidFill>
-                    <a:schemeClr val="lt1"/>
-                  </a:solidFill>
-                  <a:latin typeface="+mn-lt"/>
-                  <a:ea typeface="+mn-ea"/>
-                  <a:cs typeface="+mn-cs"/>
-                </a:defRPr>
-              </a:lvl5pPr>
-              <a:lvl6pPr marL="2286000" algn="l" defTabSz="914400" rtl="0" eaLnBrk="1" latinLnBrk="0" hangingPunct="1">
-                <a:defRPr sz="1800" kern="1200">
-                  <a:solidFill>
-                    <a:schemeClr val="lt1"/>
-                  </a:solidFill>
-                  <a:latin typeface="+mn-lt"/>
-                  <a:ea typeface="+mn-ea"/>
-                  <a:cs typeface="+mn-cs"/>
-                </a:defRPr>
-              </a:lvl6pPr>
-              <a:lvl7pPr marL="2743200" algn="l" defTabSz="914400" rtl="0" eaLnBrk="1" latinLnBrk="0" hangingPunct="1">
-                <a:defRPr sz="1800" kern="1200">
-                  <a:solidFill>
-                    <a:schemeClr val="lt1"/>
-                  </a:solidFill>
-                  <a:latin typeface="+mn-lt"/>
-                  <a:ea typeface="+mn-ea"/>
-                  <a:cs typeface="+mn-cs"/>
-                </a:defRPr>
-              </a:lvl7pPr>
-              <a:lvl8pPr marL="3200400" algn="l" defTabSz="914400" rtl="0" eaLnBrk="1" latinLnBrk="0" hangingPunct="1">
-                <a:defRPr sz="1800" kern="1200">
-                  <a:solidFill>
-                    <a:schemeClr val="lt1"/>
-                  </a:solidFill>
-                  <a:latin typeface="+mn-lt"/>
-                  <a:ea typeface="+mn-ea"/>
-                  <a:cs typeface="+mn-cs"/>
-                </a:defRPr>
-              </a:lvl8pPr>
-              <a:lvl9pPr marL="3657600" algn="l" defTabSz="914400" rtl="0" eaLnBrk="1" latinLnBrk="0" hangingPunct="1">
-                <a:defRPr sz="1800" kern="1200">
-                  <a:solidFill>
-                    <a:schemeClr val="lt1"/>
-                  </a:solidFill>
-                  <a:latin typeface="+mn-lt"/>
-                  <a:ea typeface="+mn-ea"/>
-                  <a:cs typeface="+mn-cs"/>
-                </a:defRPr>
-              </a:lvl9pPr>
-            </a:lstStyle>
-            <a:p>
-              <a:pPr algn="ctr"/>
-              <a:r>
-                <a:rPr lang="en-US" altLang="zh-TW" dirty="0">
-                  <a:latin typeface="Times New Roman" panose="02020603050405020304" pitchFamily="18" charset="0"/>
-                  <a:cs typeface="Times New Roman" panose="02020603050405020304" pitchFamily="18" charset="0"/>
-                </a:rPr>
-                <a:t>Shift</a:t>
-              </a:r>
-              <a:endParaRPr lang="zh-TW" altLang="en-US" dirty="0">
-                <a:latin typeface="Times New Roman" panose="02020603050405020304" pitchFamily="18" charset="0"/>
-                <a:cs typeface="Times New Roman" panose="02020603050405020304" pitchFamily="18" charset="0"/>
-              </a:endParaRPr>
-            </a:p>
-          </p:txBody>
-        </p:sp>
-        <p:sp>
-          <p:nvSpPr>
-            <p:cNvPr id="10" name="橢圓 9">
-              <a:extLst>
-                <a:ext uri="{FF2B5EF4-FFF2-40B4-BE49-F238E27FC236}">
-                  <a16:creationId xmlns:a16="http://schemas.microsoft.com/office/drawing/2014/main" id="{1606064A-EA90-4AF5-BC53-32D0EA7460E3}"/>
-                </a:ext>
-              </a:extLst>
-            </p:cNvPr>
-            <p:cNvSpPr/>
-            <p:nvPr/>
-          </p:nvSpPr>
-          <p:spPr>
-            <a:xfrm>
-              <a:off x="5166047" y="3778897"/>
-              <a:ext cx="1418253" cy="1418253"/>
-            </a:xfrm>
-            <a:prstGeom prst="ellipse">
-              <a:avLst/>
-            </a:prstGeom>
-          </p:spPr>
-          <p:style>
-            <a:lnRef idx="2">
-              <a:schemeClr val="accent3">
-                <a:shade val="50000"/>
-              </a:schemeClr>
-            </a:lnRef>
-            <a:fillRef idx="1">
-              <a:schemeClr val="accent3"/>
-            </a:fillRef>
-            <a:effectRef idx="0">
-              <a:schemeClr val="accent3"/>
-            </a:effectRef>
-            <a:fontRef idx="minor">
-              <a:schemeClr val="lt1"/>
-            </a:fontRef>
-          </p:style>
-          <p:txBody>
-            <a:bodyPr rtlCol="0" anchor="ctr"/>
-            <a:lstStyle>
-              <a:defPPr>
-                <a:defRPr lang="zh-TW"/>
-              </a:defPPr>
-              <a:lvl1pPr marL="0" algn="l" defTabSz="914400" rtl="0" eaLnBrk="1" latinLnBrk="0" hangingPunct="1">
-                <a:defRPr sz="1800" kern="1200">
-                  <a:solidFill>
-                    <a:schemeClr val="lt1"/>
-                  </a:solidFill>
-                  <a:latin typeface="+mn-lt"/>
-                  <a:ea typeface="+mn-ea"/>
-                  <a:cs typeface="+mn-cs"/>
-                </a:defRPr>
-              </a:lvl1pPr>
-              <a:lvl2pPr marL="457200" algn="l" defTabSz="914400" rtl="0" eaLnBrk="1" latinLnBrk="0" hangingPunct="1">
-                <a:defRPr sz="1800" kern="1200">
-                  <a:solidFill>
-                    <a:schemeClr val="lt1"/>
-                  </a:solidFill>
-                  <a:latin typeface="+mn-lt"/>
-                  <a:ea typeface="+mn-ea"/>
-                  <a:cs typeface="+mn-cs"/>
-                </a:defRPr>
-              </a:lvl2pPr>
-              <a:lvl3pPr marL="914400" algn="l" defTabSz="914400" rtl="0" eaLnBrk="1" latinLnBrk="0" hangingPunct="1">
-                <a:defRPr sz="1800" kern="1200">
-                  <a:solidFill>
-                    <a:schemeClr val="lt1"/>
-                  </a:solidFill>
-                  <a:latin typeface="+mn-lt"/>
-                  <a:ea typeface="+mn-ea"/>
-                  <a:cs typeface="+mn-cs"/>
-                </a:defRPr>
-              </a:lvl3pPr>
-              <a:lvl4pPr marL="1371600" algn="l" defTabSz="914400" rtl="0" eaLnBrk="1" latinLnBrk="0" hangingPunct="1">
-                <a:defRPr sz="1800" kern="1200">
-                  <a:solidFill>
-                    <a:schemeClr val="lt1"/>
-                  </a:solidFill>
-                  <a:latin typeface="+mn-lt"/>
-                  <a:ea typeface="+mn-ea"/>
-                  <a:cs typeface="+mn-cs"/>
-                </a:defRPr>
-              </a:lvl4pPr>
-              <a:lvl5pPr marL="1828800" algn="l" defTabSz="914400" rtl="0" eaLnBrk="1" latinLnBrk="0" hangingPunct="1">
-                <a:defRPr sz="1800" kern="1200">
-                  <a:solidFill>
-                    <a:schemeClr val="lt1"/>
-                  </a:solidFill>
-                  <a:latin typeface="+mn-lt"/>
-                  <a:ea typeface="+mn-ea"/>
-                  <a:cs typeface="+mn-cs"/>
-                </a:defRPr>
-              </a:lvl5pPr>
-              <a:lvl6pPr marL="2286000" algn="l" defTabSz="914400" rtl="0" eaLnBrk="1" latinLnBrk="0" hangingPunct="1">
-                <a:defRPr sz="1800" kern="1200">
-                  <a:solidFill>
-                    <a:schemeClr val="lt1"/>
-                  </a:solidFill>
-                  <a:latin typeface="+mn-lt"/>
-                  <a:ea typeface="+mn-ea"/>
-                  <a:cs typeface="+mn-cs"/>
-                </a:defRPr>
-              </a:lvl6pPr>
-              <a:lvl7pPr marL="2743200" algn="l" defTabSz="914400" rtl="0" eaLnBrk="1" latinLnBrk="0" hangingPunct="1">
-                <a:defRPr sz="1800" kern="1200">
-                  <a:solidFill>
-                    <a:schemeClr val="lt1"/>
-                  </a:solidFill>
-                  <a:latin typeface="+mn-lt"/>
-                  <a:ea typeface="+mn-ea"/>
-                  <a:cs typeface="+mn-cs"/>
-                </a:defRPr>
-              </a:lvl7pPr>
-              <a:lvl8pPr marL="3200400" algn="l" defTabSz="914400" rtl="0" eaLnBrk="1" latinLnBrk="0" hangingPunct="1">
-                <a:defRPr sz="1800" kern="1200">
-                  <a:solidFill>
-                    <a:schemeClr val="lt1"/>
-                  </a:solidFill>
-                  <a:latin typeface="+mn-lt"/>
-                  <a:ea typeface="+mn-ea"/>
-                  <a:cs typeface="+mn-cs"/>
-                </a:defRPr>
-              </a:lvl8pPr>
-              <a:lvl9pPr marL="3657600" algn="l" defTabSz="914400" rtl="0" eaLnBrk="1" latinLnBrk="0" hangingPunct="1">
-                <a:defRPr sz="1800" kern="1200">
-                  <a:solidFill>
-                    <a:schemeClr val="lt1"/>
-                  </a:solidFill>
-                  <a:latin typeface="+mn-lt"/>
-                  <a:ea typeface="+mn-ea"/>
-                  <a:cs typeface="+mn-cs"/>
-                </a:defRPr>
-              </a:lvl9pPr>
-            </a:lstStyle>
-            <a:p>
-              <a:pPr algn="ctr"/>
-              <a:r>
-                <a:rPr lang="en-US" altLang="zh-TW" dirty="0">
-                  <a:latin typeface="Times New Roman" panose="02020603050405020304" pitchFamily="18" charset="0"/>
-                  <a:cs typeface="Times New Roman" panose="02020603050405020304" pitchFamily="18" charset="0"/>
-                </a:rPr>
-                <a:t>Out</a:t>
-              </a:r>
-            </a:p>
-            <a:p>
-              <a:pPr algn="ctr"/>
-              <a:r>
-                <a:rPr lang="en-US" altLang="zh-TW" dirty="0">
-                  <a:latin typeface="Times New Roman" panose="02020603050405020304" pitchFamily="18" charset="0"/>
-                  <a:cs typeface="Times New Roman" panose="02020603050405020304" pitchFamily="18" charset="0"/>
-                </a:rPr>
-                <a:t>Comb</a:t>
-              </a:r>
-              <a:endParaRPr lang="zh-TW" altLang="en-US" dirty="0">
-                <a:latin typeface="Times New Roman" panose="02020603050405020304" pitchFamily="18" charset="0"/>
-                <a:cs typeface="Times New Roman" panose="02020603050405020304" pitchFamily="18" charset="0"/>
-              </a:endParaRPr>
-            </a:p>
-          </p:txBody>
-        </p:sp>
-        <p:sp>
-          <p:nvSpPr>
-            <p:cNvPr id="11" name="橢圓 10">
-              <a:extLst>
-                <a:ext uri="{FF2B5EF4-FFF2-40B4-BE49-F238E27FC236}">
-                  <a16:creationId xmlns:a16="http://schemas.microsoft.com/office/drawing/2014/main" id="{1606064A-EA90-4AF5-BC53-32D0EA7460E3}"/>
-                </a:ext>
-              </a:extLst>
-            </p:cNvPr>
-            <p:cNvSpPr/>
-            <p:nvPr/>
-          </p:nvSpPr>
-          <p:spPr>
-            <a:xfrm>
-              <a:off x="3191069" y="3778897"/>
-              <a:ext cx="1418253" cy="1418253"/>
-            </a:xfrm>
-            <a:prstGeom prst="ellipse">
-              <a:avLst/>
-            </a:prstGeom>
-          </p:spPr>
-          <p:style>
-            <a:lnRef idx="2">
-              <a:schemeClr val="accent3">
-                <a:shade val="50000"/>
-              </a:schemeClr>
-            </a:lnRef>
-            <a:fillRef idx="1">
-              <a:schemeClr val="accent3"/>
-            </a:fillRef>
-            <a:effectRef idx="0">
-              <a:schemeClr val="accent3"/>
-            </a:effectRef>
-            <a:fontRef idx="minor">
-              <a:schemeClr val="lt1"/>
-            </a:fontRef>
-          </p:style>
-          <p:txBody>
-            <a:bodyPr rtlCol="0" anchor="ctr"/>
-            <a:lstStyle>
-              <a:defPPr>
-                <a:defRPr lang="zh-TW"/>
-              </a:defPPr>
-              <a:lvl1pPr marL="0" algn="l" defTabSz="914400" rtl="0" eaLnBrk="1" latinLnBrk="0" hangingPunct="1">
-                <a:defRPr sz="1800" kern="1200">
-                  <a:solidFill>
-                    <a:schemeClr val="lt1"/>
-                  </a:solidFill>
-                  <a:latin typeface="+mn-lt"/>
-                  <a:ea typeface="+mn-ea"/>
-                  <a:cs typeface="+mn-cs"/>
-                </a:defRPr>
-              </a:lvl1pPr>
-              <a:lvl2pPr marL="457200" algn="l" defTabSz="914400" rtl="0" eaLnBrk="1" latinLnBrk="0" hangingPunct="1">
-                <a:defRPr sz="1800" kern="1200">
-                  <a:solidFill>
-                    <a:schemeClr val="lt1"/>
-                  </a:solidFill>
-                  <a:latin typeface="+mn-lt"/>
-                  <a:ea typeface="+mn-ea"/>
-                  <a:cs typeface="+mn-cs"/>
-                </a:defRPr>
-              </a:lvl2pPr>
-              <a:lvl3pPr marL="914400" algn="l" defTabSz="914400" rtl="0" eaLnBrk="1" latinLnBrk="0" hangingPunct="1">
-                <a:defRPr sz="1800" kern="1200">
-                  <a:solidFill>
-                    <a:schemeClr val="lt1"/>
-                  </a:solidFill>
-                  <a:latin typeface="+mn-lt"/>
-                  <a:ea typeface="+mn-ea"/>
-                  <a:cs typeface="+mn-cs"/>
-                </a:defRPr>
-              </a:lvl3pPr>
-              <a:lvl4pPr marL="1371600" algn="l" defTabSz="914400" rtl="0" eaLnBrk="1" latinLnBrk="0" hangingPunct="1">
-                <a:defRPr sz="1800" kern="1200">
-                  <a:solidFill>
-                    <a:schemeClr val="lt1"/>
-                  </a:solidFill>
-                  <a:latin typeface="+mn-lt"/>
-                  <a:ea typeface="+mn-ea"/>
-                  <a:cs typeface="+mn-cs"/>
-                </a:defRPr>
-              </a:lvl4pPr>
-              <a:lvl5pPr marL="1828800" algn="l" defTabSz="914400" rtl="0" eaLnBrk="1" latinLnBrk="0" hangingPunct="1">
-                <a:defRPr sz="1800" kern="1200">
-                  <a:solidFill>
-                    <a:schemeClr val="lt1"/>
-                  </a:solidFill>
-                  <a:latin typeface="+mn-lt"/>
-                  <a:ea typeface="+mn-ea"/>
-                  <a:cs typeface="+mn-cs"/>
-                </a:defRPr>
-              </a:lvl5pPr>
-              <a:lvl6pPr marL="2286000" algn="l" defTabSz="914400" rtl="0" eaLnBrk="1" latinLnBrk="0" hangingPunct="1">
-                <a:defRPr sz="1800" kern="1200">
-                  <a:solidFill>
-                    <a:schemeClr val="lt1"/>
-                  </a:solidFill>
-                  <a:latin typeface="+mn-lt"/>
-                  <a:ea typeface="+mn-ea"/>
-                  <a:cs typeface="+mn-cs"/>
-                </a:defRPr>
-              </a:lvl6pPr>
-              <a:lvl7pPr marL="2743200" algn="l" defTabSz="914400" rtl="0" eaLnBrk="1" latinLnBrk="0" hangingPunct="1">
-                <a:defRPr sz="1800" kern="1200">
-                  <a:solidFill>
-                    <a:schemeClr val="lt1"/>
-                  </a:solidFill>
-                  <a:latin typeface="+mn-lt"/>
-                  <a:ea typeface="+mn-ea"/>
-                  <a:cs typeface="+mn-cs"/>
-                </a:defRPr>
-              </a:lvl7pPr>
-              <a:lvl8pPr marL="3200400" algn="l" defTabSz="914400" rtl="0" eaLnBrk="1" latinLnBrk="0" hangingPunct="1">
-                <a:defRPr sz="1800" kern="1200">
-                  <a:solidFill>
-                    <a:schemeClr val="lt1"/>
-                  </a:solidFill>
-                  <a:latin typeface="+mn-lt"/>
-                  <a:ea typeface="+mn-ea"/>
-                  <a:cs typeface="+mn-cs"/>
-                </a:defRPr>
-              </a:lvl8pPr>
-              <a:lvl9pPr marL="3657600" algn="l" defTabSz="914400" rtl="0" eaLnBrk="1" latinLnBrk="0" hangingPunct="1">
-                <a:defRPr sz="1800" kern="1200">
-                  <a:solidFill>
-                    <a:schemeClr val="lt1"/>
-                  </a:solidFill>
-                  <a:latin typeface="+mn-lt"/>
-                  <a:ea typeface="+mn-ea"/>
-                  <a:cs typeface="+mn-cs"/>
-                </a:defRPr>
-              </a:lvl9pPr>
-            </a:lstStyle>
-            <a:p>
-              <a:pPr algn="ctr"/>
-              <a:r>
-                <a:rPr lang="en-US" altLang="zh-TW" dirty="0" err="1">
-                  <a:latin typeface="Times New Roman" panose="02020603050405020304" pitchFamily="18" charset="0"/>
-                  <a:cs typeface="Times New Roman" panose="02020603050405020304" pitchFamily="18" charset="0"/>
-                </a:rPr>
-                <a:t>Outy</a:t>
-              </a:r>
-              <a:endParaRPr lang="zh-TW" altLang="en-US" dirty="0">
-                <a:latin typeface="Times New Roman" panose="02020603050405020304" pitchFamily="18" charset="0"/>
-                <a:cs typeface="Times New Roman" panose="02020603050405020304" pitchFamily="18" charset="0"/>
-              </a:endParaRPr>
-            </a:p>
-          </p:txBody>
-        </p:sp>
-        <p:cxnSp>
-          <p:nvCxnSpPr>
-            <p:cNvPr id="13" name="直線單箭頭接點 12">
-              <a:extLst>
-                <a:ext uri="{FF2B5EF4-FFF2-40B4-BE49-F238E27FC236}">
-                  <a16:creationId xmlns:a16="http://schemas.microsoft.com/office/drawing/2014/main" id="{F9D48AEE-DF47-4BFF-B039-C5B95D88FC39}"/>
+                  <a16:creationId xmlns:a16="http://schemas.microsoft.com/office/drawing/2014/main" id="{2EB03213-FFCF-410D-A484-479A5783D5A5}"/>
                 </a:ext>
               </a:extLst>
             </p:cNvPr>
             <p:cNvCxnSpPr>
-              <a:stCxn id="4" idx="6"/>
-              <a:endCxn id="6" idx="2"/>
+              <a:stCxn id="23" idx="6"/>
+              <a:endCxn id="4" idx="2"/>
             </p:cNvCxnSpPr>
             <p:nvPr/>
           </p:nvCxnSpPr>
           <p:spPr>
-            <a:xfrm>
-              <a:off x="4609322" y="2202024"/>
-              <a:ext cx="556725" cy="0"/>
-            </a:xfrm>
-            <a:prstGeom prst="straightConnector1">
-              <a:avLst/>
-            </a:prstGeom>
-            <a:ln>
-              <a:tailEnd type="triangle"/>
-            </a:ln>
-          </p:spPr>
-          <p:style>
-            <a:lnRef idx="1">
-              <a:schemeClr val="accent1"/>
-            </a:lnRef>
-            <a:fillRef idx="0">
-              <a:schemeClr val="accent1"/>
-            </a:fillRef>
-            <a:effectRef idx="0">
-              <a:schemeClr val="accent1"/>
-            </a:effectRef>
-            <a:fontRef idx="minor">
-              <a:schemeClr val="tx1"/>
-            </a:fontRef>
-          </p:style>
-        </p:cxnSp>
-        <p:cxnSp>
-          <p:nvCxnSpPr>
-            <p:cNvPr id="15" name="直線單箭頭接點 14">
-              <a:extLst>
-                <a:ext uri="{FF2B5EF4-FFF2-40B4-BE49-F238E27FC236}">
-                  <a16:creationId xmlns:a16="http://schemas.microsoft.com/office/drawing/2014/main" id="{B27D80B5-969F-4175-971B-0A36F163A209}"/>
-                </a:ext>
-              </a:extLst>
-            </p:cNvPr>
-            <p:cNvCxnSpPr>
-              <a:stCxn id="6" idx="6"/>
-              <a:endCxn id="8" idx="2"/>
-            </p:cNvCxnSpPr>
-            <p:nvPr/>
-          </p:nvCxnSpPr>
-          <p:spPr>
-            <a:xfrm>
-              <a:off x="6584300" y="2202024"/>
-              <a:ext cx="556725" cy="0"/>
-            </a:xfrm>
-            <a:prstGeom prst="straightConnector1">
-              <a:avLst/>
-            </a:prstGeom>
-            <a:ln>
-              <a:tailEnd type="triangle"/>
-            </a:ln>
-          </p:spPr>
-          <p:style>
-            <a:lnRef idx="1">
-              <a:schemeClr val="accent1"/>
-            </a:lnRef>
-            <a:fillRef idx="0">
-              <a:schemeClr val="accent1"/>
-            </a:fillRef>
-            <a:effectRef idx="0">
-              <a:schemeClr val="accent1"/>
-            </a:effectRef>
-            <a:fontRef idx="minor">
-              <a:schemeClr val="tx1"/>
-            </a:fontRef>
-          </p:style>
-        </p:cxnSp>
-        <p:cxnSp>
-          <p:nvCxnSpPr>
-            <p:cNvPr id="17" name="接點: 弧形 16">
-              <a:extLst>
-                <a:ext uri="{FF2B5EF4-FFF2-40B4-BE49-F238E27FC236}">
-                  <a16:creationId xmlns:a16="http://schemas.microsoft.com/office/drawing/2014/main" id="{C335F0C7-6876-45F1-99A2-59C1FD5E6BB9}"/>
-                </a:ext>
-              </a:extLst>
-            </p:cNvPr>
-            <p:cNvCxnSpPr>
-              <a:stCxn id="8" idx="6"/>
-              <a:endCxn id="11" idx="2"/>
-            </p:cNvCxnSpPr>
-            <p:nvPr/>
-          </p:nvCxnSpPr>
-          <p:spPr>
-            <a:xfrm flipH="1">
+            <a:xfrm flipH="1" flipV="1">
               <a:off x="3191069" y="2202024"/>
-              <a:ext cx="5368209" cy="2286000"/>
+              <a:ext cx="7343187" cy="2286000"/>
             </a:xfrm>
             <a:prstGeom prst="curvedConnector5">
               <a:avLst>
-                <a:gd name="adj1" fmla="val -4258"/>
+                <a:gd name="adj1" fmla="val -3113"/>
                 <a:gd name="adj2" fmla="val 50000"/>
-                <a:gd name="adj3" fmla="val 104258"/>
+                <a:gd name="adj3" fmla="val 103113"/>
               </a:avLst>
             </a:prstGeom>
             <a:ln>
@@ -4099,868 +5033,6 @@
             </a:fontRef>
           </p:style>
         </p:cxnSp>
-        <p:cxnSp>
-          <p:nvCxnSpPr>
-            <p:cNvPr id="19" name="直線單箭頭接點 18">
-              <a:extLst>
-                <a:ext uri="{FF2B5EF4-FFF2-40B4-BE49-F238E27FC236}">
-                  <a16:creationId xmlns:a16="http://schemas.microsoft.com/office/drawing/2014/main" id="{D592BC95-2297-48B5-8909-25279F7DDFB8}"/>
-                </a:ext>
-              </a:extLst>
-            </p:cNvPr>
-            <p:cNvCxnSpPr>
-              <a:stCxn id="11" idx="6"/>
-              <a:endCxn id="10" idx="2"/>
-            </p:cNvCxnSpPr>
-            <p:nvPr/>
-          </p:nvCxnSpPr>
-          <p:spPr>
-            <a:xfrm>
-              <a:off x="4609322" y="4488024"/>
-              <a:ext cx="556725" cy="0"/>
-            </a:xfrm>
-            <a:prstGeom prst="straightConnector1">
-              <a:avLst/>
-            </a:prstGeom>
-            <a:ln>
-              <a:tailEnd type="triangle"/>
-            </a:ln>
-          </p:spPr>
-          <p:style>
-            <a:lnRef idx="1">
-              <a:schemeClr val="accent1"/>
-            </a:lnRef>
-            <a:fillRef idx="0">
-              <a:schemeClr val="accent1"/>
-            </a:fillRef>
-            <a:effectRef idx="0">
-              <a:schemeClr val="accent1"/>
-            </a:effectRef>
-            <a:fontRef idx="minor">
-              <a:schemeClr val="tx1"/>
-            </a:fontRef>
-          </p:style>
-        </p:cxnSp>
-        <p:cxnSp>
-          <p:nvCxnSpPr>
-            <p:cNvPr id="21" name="直線單箭頭接點 20">
-              <a:extLst>
-                <a:ext uri="{FF2B5EF4-FFF2-40B4-BE49-F238E27FC236}">
-                  <a16:creationId xmlns:a16="http://schemas.microsoft.com/office/drawing/2014/main" id="{EB84E994-2074-4150-A9F7-99B4C7A847E8}"/>
-                </a:ext>
-              </a:extLst>
-            </p:cNvPr>
-            <p:cNvCxnSpPr>
-              <a:stCxn id="10" idx="6"/>
-              <a:endCxn id="9" idx="2"/>
-            </p:cNvCxnSpPr>
-            <p:nvPr/>
-          </p:nvCxnSpPr>
-          <p:spPr>
-            <a:xfrm>
-              <a:off x="6584300" y="4488024"/>
-              <a:ext cx="556725" cy="0"/>
-            </a:xfrm>
-            <a:prstGeom prst="straightConnector1">
-              <a:avLst/>
-            </a:prstGeom>
-            <a:ln>
-              <a:tailEnd type="triangle"/>
-            </a:ln>
-          </p:spPr>
-          <p:style>
-            <a:lnRef idx="1">
-              <a:schemeClr val="accent1"/>
-            </a:lnRef>
-            <a:fillRef idx="0">
-              <a:schemeClr val="accent1"/>
-            </a:fillRef>
-            <a:effectRef idx="0">
-              <a:schemeClr val="accent1"/>
-            </a:effectRef>
-            <a:fontRef idx="minor">
-              <a:schemeClr val="tx1"/>
-            </a:fontRef>
-          </p:style>
-        </p:cxnSp>
-        <p:sp>
-          <p:nvSpPr>
-            <p:cNvPr id="23" name="橢圓 22">
-              <a:extLst>
-                <a:ext uri="{FF2B5EF4-FFF2-40B4-BE49-F238E27FC236}">
-                  <a16:creationId xmlns:a16="http://schemas.microsoft.com/office/drawing/2014/main" id="{A9F2AC60-7161-44B5-A2C1-7929E19030B4}"/>
-                </a:ext>
-              </a:extLst>
-            </p:cNvPr>
-            <p:cNvSpPr/>
-            <p:nvPr/>
-          </p:nvSpPr>
-          <p:spPr>
-            <a:xfrm>
-              <a:off x="9116003" y="3778897"/>
-              <a:ext cx="1418253" cy="1418253"/>
-            </a:xfrm>
-            <a:prstGeom prst="ellipse">
-              <a:avLst/>
-            </a:prstGeom>
-          </p:spPr>
-          <p:style>
-            <a:lnRef idx="2">
-              <a:schemeClr val="accent3">
-                <a:shade val="50000"/>
-              </a:schemeClr>
-            </a:lnRef>
-            <a:fillRef idx="1">
-              <a:schemeClr val="accent3"/>
-            </a:fillRef>
-            <a:effectRef idx="0">
-              <a:schemeClr val="accent3"/>
-            </a:effectRef>
-            <a:fontRef idx="minor">
-              <a:schemeClr val="lt1"/>
-            </a:fontRef>
-          </p:style>
-          <p:txBody>
-            <a:bodyPr rtlCol="0" anchor="ctr"/>
-            <a:lstStyle>
-              <a:defPPr>
-                <a:defRPr lang="zh-TW"/>
-              </a:defPPr>
-              <a:lvl1pPr marL="0" algn="l" defTabSz="914400" rtl="0" eaLnBrk="1" latinLnBrk="0" hangingPunct="1">
-                <a:defRPr sz="1800" kern="1200">
-                  <a:solidFill>
-                    <a:schemeClr val="lt1"/>
-                  </a:solidFill>
-                  <a:latin typeface="+mn-lt"/>
-                  <a:ea typeface="+mn-ea"/>
-                  <a:cs typeface="+mn-cs"/>
-                </a:defRPr>
-              </a:lvl1pPr>
-              <a:lvl2pPr marL="457200" algn="l" defTabSz="914400" rtl="0" eaLnBrk="1" latinLnBrk="0" hangingPunct="1">
-                <a:defRPr sz="1800" kern="1200">
-                  <a:solidFill>
-                    <a:schemeClr val="lt1"/>
-                  </a:solidFill>
-                  <a:latin typeface="+mn-lt"/>
-                  <a:ea typeface="+mn-ea"/>
-                  <a:cs typeface="+mn-cs"/>
-                </a:defRPr>
-              </a:lvl2pPr>
-              <a:lvl3pPr marL="914400" algn="l" defTabSz="914400" rtl="0" eaLnBrk="1" latinLnBrk="0" hangingPunct="1">
-                <a:defRPr sz="1800" kern="1200">
-                  <a:solidFill>
-                    <a:schemeClr val="lt1"/>
-                  </a:solidFill>
-                  <a:latin typeface="+mn-lt"/>
-                  <a:ea typeface="+mn-ea"/>
-                  <a:cs typeface="+mn-cs"/>
-                </a:defRPr>
-              </a:lvl3pPr>
-              <a:lvl4pPr marL="1371600" algn="l" defTabSz="914400" rtl="0" eaLnBrk="1" latinLnBrk="0" hangingPunct="1">
-                <a:defRPr sz="1800" kern="1200">
-                  <a:solidFill>
-                    <a:schemeClr val="lt1"/>
-                  </a:solidFill>
-                  <a:latin typeface="+mn-lt"/>
-                  <a:ea typeface="+mn-ea"/>
-                  <a:cs typeface="+mn-cs"/>
-                </a:defRPr>
-              </a:lvl4pPr>
-              <a:lvl5pPr marL="1828800" algn="l" defTabSz="914400" rtl="0" eaLnBrk="1" latinLnBrk="0" hangingPunct="1">
-                <a:defRPr sz="1800" kern="1200">
-                  <a:solidFill>
-                    <a:schemeClr val="lt1"/>
-                  </a:solidFill>
-                  <a:latin typeface="+mn-lt"/>
-                  <a:ea typeface="+mn-ea"/>
-                  <a:cs typeface="+mn-cs"/>
-                </a:defRPr>
-              </a:lvl5pPr>
-              <a:lvl6pPr marL="2286000" algn="l" defTabSz="914400" rtl="0" eaLnBrk="1" latinLnBrk="0" hangingPunct="1">
-                <a:defRPr sz="1800" kern="1200">
-                  <a:solidFill>
-                    <a:schemeClr val="lt1"/>
-                  </a:solidFill>
-                  <a:latin typeface="+mn-lt"/>
-                  <a:ea typeface="+mn-ea"/>
-                  <a:cs typeface="+mn-cs"/>
-                </a:defRPr>
-              </a:lvl6pPr>
-              <a:lvl7pPr marL="2743200" algn="l" defTabSz="914400" rtl="0" eaLnBrk="1" latinLnBrk="0" hangingPunct="1">
-                <a:defRPr sz="1800" kern="1200">
-                  <a:solidFill>
-                    <a:schemeClr val="lt1"/>
-                  </a:solidFill>
-                  <a:latin typeface="+mn-lt"/>
-                  <a:ea typeface="+mn-ea"/>
-                  <a:cs typeface="+mn-cs"/>
-                </a:defRPr>
-              </a:lvl7pPr>
-              <a:lvl8pPr marL="3200400" algn="l" defTabSz="914400" rtl="0" eaLnBrk="1" latinLnBrk="0" hangingPunct="1">
-                <a:defRPr sz="1800" kern="1200">
-                  <a:solidFill>
-                    <a:schemeClr val="lt1"/>
-                  </a:solidFill>
-                  <a:latin typeface="+mn-lt"/>
-                  <a:ea typeface="+mn-ea"/>
-                  <a:cs typeface="+mn-cs"/>
-                </a:defRPr>
-              </a:lvl8pPr>
-              <a:lvl9pPr marL="3657600" algn="l" defTabSz="914400" rtl="0" eaLnBrk="1" latinLnBrk="0" hangingPunct="1">
-                <a:defRPr sz="1800" kern="1200">
-                  <a:solidFill>
-                    <a:schemeClr val="lt1"/>
-                  </a:solidFill>
-                  <a:latin typeface="+mn-lt"/>
-                  <a:ea typeface="+mn-ea"/>
-                  <a:cs typeface="+mn-cs"/>
-                </a:defRPr>
-              </a:lvl9pPr>
-            </a:lstStyle>
-            <a:p>
-              <a:pPr algn="ctr"/>
-              <a:r>
-                <a:rPr lang="en-US" altLang="zh-TW" dirty="0">
-                  <a:latin typeface="Times New Roman" panose="02020603050405020304" pitchFamily="18" charset="0"/>
-                  <a:cs typeface="Times New Roman" panose="02020603050405020304" pitchFamily="18" charset="0"/>
-                </a:rPr>
-                <a:t>Done</a:t>
-              </a:r>
-              <a:endParaRPr lang="zh-TW" altLang="en-US" dirty="0">
-                <a:latin typeface="Times New Roman" panose="02020603050405020304" pitchFamily="18" charset="0"/>
-                <a:cs typeface="Times New Roman" panose="02020603050405020304" pitchFamily="18" charset="0"/>
-              </a:endParaRPr>
-            </a:p>
-          </p:txBody>
-        </p:sp>
-        <p:cxnSp>
-          <p:nvCxnSpPr>
-            <p:cNvPr id="25" name="直線單箭頭接點 24">
-              <a:extLst>
-                <a:ext uri="{FF2B5EF4-FFF2-40B4-BE49-F238E27FC236}">
-                  <a16:creationId xmlns:a16="http://schemas.microsoft.com/office/drawing/2014/main" id="{0ECA08F4-004C-4F6B-845C-E511827487E2}"/>
-                </a:ext>
-              </a:extLst>
-            </p:cNvPr>
-            <p:cNvCxnSpPr>
-              <a:stCxn id="9" idx="6"/>
-              <a:endCxn id="23" idx="2"/>
-            </p:cNvCxnSpPr>
-            <p:nvPr/>
-          </p:nvCxnSpPr>
-          <p:spPr>
-            <a:xfrm>
-              <a:off x="8559278" y="4488024"/>
-              <a:ext cx="556725" cy="0"/>
-            </a:xfrm>
-            <a:prstGeom prst="straightConnector1">
-              <a:avLst/>
-            </a:prstGeom>
-            <a:ln>
-              <a:tailEnd type="triangle"/>
-            </a:ln>
-          </p:spPr>
-          <p:style>
-            <a:lnRef idx="1">
-              <a:schemeClr val="accent1"/>
-            </a:lnRef>
-            <a:fillRef idx="0">
-              <a:schemeClr val="accent1"/>
-            </a:fillRef>
-            <a:effectRef idx="0">
-              <a:schemeClr val="accent1"/>
-            </a:effectRef>
-            <a:fontRef idx="minor">
-              <a:schemeClr val="tx1"/>
-            </a:fontRef>
-          </p:style>
-        </p:cxnSp>
-        <p:cxnSp>
-          <p:nvCxnSpPr>
-            <p:cNvPr id="27" name="接點: 弧形 26">
-              <a:extLst>
-                <a:ext uri="{FF2B5EF4-FFF2-40B4-BE49-F238E27FC236}">
-                  <a16:creationId xmlns:a16="http://schemas.microsoft.com/office/drawing/2014/main" id="{44EC1820-A420-4C99-A58B-483A30DEA38C}"/>
-                </a:ext>
-              </a:extLst>
-            </p:cNvPr>
-            <p:cNvCxnSpPr>
-              <a:stCxn id="4" idx="1"/>
-              <a:endCxn id="4" idx="7"/>
-            </p:cNvCxnSpPr>
-            <p:nvPr/>
-          </p:nvCxnSpPr>
-          <p:spPr>
-            <a:xfrm rot="5400000" flipH="1" flipV="1">
-              <a:off x="3900195" y="1199167"/>
-              <a:ext cx="12700" cy="1002857"/>
-            </a:xfrm>
-            <a:prstGeom prst="curvedConnector3">
-              <a:avLst>
-                <a:gd name="adj1" fmla="val 3435417"/>
-              </a:avLst>
-            </a:prstGeom>
-            <a:ln>
-              <a:tailEnd type="triangle"/>
-            </a:ln>
-          </p:spPr>
-          <p:style>
-            <a:lnRef idx="1">
-              <a:schemeClr val="accent1"/>
-            </a:lnRef>
-            <a:fillRef idx="0">
-              <a:schemeClr val="accent1"/>
-            </a:fillRef>
-            <a:effectRef idx="0">
-              <a:schemeClr val="accent1"/>
-            </a:effectRef>
-            <a:fontRef idx="minor">
-              <a:schemeClr val="tx1"/>
-            </a:fontRef>
-          </p:style>
-        </p:cxnSp>
-        <p:cxnSp>
-          <p:nvCxnSpPr>
-            <p:cNvPr id="29" name="接點: 弧形 28">
-              <a:extLst>
-                <a:ext uri="{FF2B5EF4-FFF2-40B4-BE49-F238E27FC236}">
-                  <a16:creationId xmlns:a16="http://schemas.microsoft.com/office/drawing/2014/main" id="{754A0872-02BE-4640-8AFA-DA3CE21AB4F9}"/>
-                </a:ext>
-              </a:extLst>
-            </p:cNvPr>
-            <p:cNvCxnSpPr>
-              <a:stCxn id="6" idx="1"/>
-              <a:endCxn id="6" idx="7"/>
-            </p:cNvCxnSpPr>
-            <p:nvPr/>
-          </p:nvCxnSpPr>
-          <p:spPr>
-            <a:xfrm rot="5400000" flipH="1" flipV="1">
-              <a:off x="5875173" y="1199167"/>
-              <a:ext cx="12700" cy="1002857"/>
-            </a:xfrm>
-            <a:prstGeom prst="curvedConnector3">
-              <a:avLst>
-                <a:gd name="adj1" fmla="val 3435417"/>
-              </a:avLst>
-            </a:prstGeom>
-            <a:ln>
-              <a:tailEnd type="triangle"/>
-            </a:ln>
-          </p:spPr>
-          <p:style>
-            <a:lnRef idx="1">
-              <a:schemeClr val="accent1"/>
-            </a:lnRef>
-            <a:fillRef idx="0">
-              <a:schemeClr val="accent1"/>
-            </a:fillRef>
-            <a:effectRef idx="0">
-              <a:schemeClr val="accent1"/>
-            </a:effectRef>
-            <a:fontRef idx="minor">
-              <a:schemeClr val="tx1"/>
-            </a:fontRef>
-          </p:style>
-        </p:cxnSp>
-        <p:cxnSp>
-          <p:nvCxnSpPr>
-            <p:cNvPr id="31" name="接點: 弧形 30">
-              <a:extLst>
-                <a:ext uri="{FF2B5EF4-FFF2-40B4-BE49-F238E27FC236}">
-                  <a16:creationId xmlns:a16="http://schemas.microsoft.com/office/drawing/2014/main" id="{41E7A86D-2DB6-4376-9B5E-C76C8EF88C82}"/>
-                </a:ext>
-              </a:extLst>
-            </p:cNvPr>
-            <p:cNvCxnSpPr>
-              <a:stCxn id="9" idx="3"/>
-              <a:endCxn id="9" idx="5"/>
-            </p:cNvCxnSpPr>
-            <p:nvPr/>
-          </p:nvCxnSpPr>
-          <p:spPr>
-            <a:xfrm rot="16200000" flipH="1">
-              <a:off x="7850151" y="4488023"/>
-              <a:ext cx="12700" cy="1002857"/>
-            </a:xfrm>
-            <a:prstGeom prst="curvedConnector3">
-              <a:avLst>
-                <a:gd name="adj1" fmla="val 3435417"/>
-              </a:avLst>
-            </a:prstGeom>
-            <a:ln>
-              <a:tailEnd type="triangle"/>
-            </a:ln>
-          </p:spPr>
-          <p:style>
-            <a:lnRef idx="1">
-              <a:schemeClr val="accent1"/>
-            </a:lnRef>
-            <a:fillRef idx="0">
-              <a:schemeClr val="accent1"/>
-            </a:fillRef>
-            <a:effectRef idx="0">
-              <a:schemeClr val="accent1"/>
-            </a:effectRef>
-            <a:fontRef idx="minor">
-              <a:schemeClr val="tx1"/>
-            </a:fontRef>
-          </p:style>
-        </p:cxnSp>
-        <p:sp>
-          <p:nvSpPr>
-            <p:cNvPr id="32" name="文字方塊 31">
-              <a:extLst>
-                <a:ext uri="{FF2B5EF4-FFF2-40B4-BE49-F238E27FC236}">
-                  <a16:creationId xmlns:a16="http://schemas.microsoft.com/office/drawing/2014/main" id="{DFE5512A-287F-4933-B8D2-D8070EDE803D}"/>
-                </a:ext>
-              </a:extLst>
-            </p:cNvPr>
-            <p:cNvSpPr txBox="1"/>
-            <p:nvPr/>
-          </p:nvSpPr>
-          <p:spPr>
-            <a:xfrm>
-              <a:off x="3963809" y="2371921"/>
-              <a:ext cx="1854995" cy="369332"/>
-            </a:xfrm>
-            <a:prstGeom prst="rect">
-              <a:avLst/>
-            </a:prstGeom>
-            <a:noFill/>
-          </p:spPr>
-          <p:txBody>
-            <a:bodyPr wrap="none" rtlCol="0">
-              <a:spAutoFit/>
-            </a:bodyPr>
-            <a:lstStyle/>
-            <a:p>
-              <a:r>
-                <a:rPr lang="en-US" altLang="zh-TW" dirty="0">
-                  <a:latin typeface="Times New Roman" panose="02020603050405020304" pitchFamily="18" charset="0"/>
-                  <a:cs typeface="Times New Roman" panose="02020603050405020304" pitchFamily="18" charset="0"/>
-                </a:rPr>
-                <a:t>ready == `Disable</a:t>
-              </a:r>
-              <a:endParaRPr lang="zh-TW" altLang="en-US" dirty="0">
-                <a:latin typeface="Times New Roman" panose="02020603050405020304" pitchFamily="18" charset="0"/>
-                <a:cs typeface="Times New Roman" panose="02020603050405020304" pitchFamily="18" charset="0"/>
-              </a:endParaRPr>
-            </a:p>
-          </p:txBody>
-        </p:sp>
-        <p:sp>
-          <p:nvSpPr>
-            <p:cNvPr id="34" name="文字方塊 33">
-              <a:extLst>
-                <a:ext uri="{FF2B5EF4-FFF2-40B4-BE49-F238E27FC236}">
-                  <a16:creationId xmlns:a16="http://schemas.microsoft.com/office/drawing/2014/main" id="{01AB9EEF-DD37-44BB-B881-594D47F97D6C}"/>
-                </a:ext>
-              </a:extLst>
-            </p:cNvPr>
-            <p:cNvSpPr txBox="1"/>
-            <p:nvPr/>
-          </p:nvSpPr>
-          <p:spPr>
-            <a:xfrm>
-              <a:off x="4751726" y="907477"/>
-              <a:ext cx="2291012" cy="369332"/>
-            </a:xfrm>
-            <a:prstGeom prst="rect">
-              <a:avLst/>
-            </a:prstGeom>
-            <a:noFill/>
-          </p:spPr>
-          <p:txBody>
-            <a:bodyPr wrap="none" rtlCol="0">
-              <a:spAutoFit/>
-            </a:bodyPr>
-            <a:lstStyle/>
-            <a:p>
-              <a:r>
-                <a:rPr lang="en-US" altLang="zh-TW" dirty="0" err="1">
-                  <a:latin typeface="Times New Roman" panose="02020603050405020304" pitchFamily="18" charset="0"/>
-                  <a:cs typeface="Times New Roman" panose="02020603050405020304" pitchFamily="18" charset="0"/>
-                </a:rPr>
-                <a:t>conv_done</a:t>
-              </a:r>
-              <a:r>
-                <a:rPr lang="en-US" altLang="zh-TW" dirty="0">
-                  <a:latin typeface="Times New Roman" panose="02020603050405020304" pitchFamily="18" charset="0"/>
-                  <a:cs typeface="Times New Roman" panose="02020603050405020304" pitchFamily="18" charset="0"/>
-                </a:rPr>
-                <a:t> == `Enable</a:t>
-              </a:r>
-              <a:endParaRPr lang="zh-TW" altLang="en-US" dirty="0">
-                <a:latin typeface="Times New Roman" panose="02020603050405020304" pitchFamily="18" charset="0"/>
-                <a:cs typeface="Times New Roman" panose="02020603050405020304" pitchFamily="18" charset="0"/>
-              </a:endParaRPr>
-            </a:p>
-          </p:txBody>
-        </p:sp>
-        <p:sp>
-          <p:nvSpPr>
-            <p:cNvPr id="36" name="文字方塊 35">
-              <a:extLst>
-                <a:ext uri="{FF2B5EF4-FFF2-40B4-BE49-F238E27FC236}">
-                  <a16:creationId xmlns:a16="http://schemas.microsoft.com/office/drawing/2014/main" id="{C236EE27-1B1A-46DC-B335-5E04C1B9E609}"/>
-                </a:ext>
-              </a:extLst>
-            </p:cNvPr>
-            <p:cNvSpPr txBox="1"/>
-            <p:nvPr/>
-          </p:nvSpPr>
-          <p:spPr>
-            <a:xfrm>
-              <a:off x="3243630" y="1111707"/>
-              <a:ext cx="1790875" cy="369332"/>
-            </a:xfrm>
-            <a:prstGeom prst="rect">
-              <a:avLst/>
-            </a:prstGeom>
-            <a:noFill/>
-          </p:spPr>
-          <p:txBody>
-            <a:bodyPr wrap="none" rtlCol="0">
-              <a:spAutoFit/>
-            </a:bodyPr>
-            <a:lstStyle/>
-            <a:p>
-              <a:r>
-                <a:rPr lang="en-US" altLang="zh-TW" dirty="0">
-                  <a:latin typeface="Times New Roman" panose="02020603050405020304" pitchFamily="18" charset="0"/>
-                  <a:cs typeface="Times New Roman" panose="02020603050405020304" pitchFamily="18" charset="0"/>
-                </a:rPr>
-                <a:t>ready == `Enable</a:t>
-              </a:r>
-              <a:endParaRPr lang="zh-TW" altLang="en-US" dirty="0">
-                <a:latin typeface="Times New Roman" panose="02020603050405020304" pitchFamily="18" charset="0"/>
-                <a:cs typeface="Times New Roman" panose="02020603050405020304" pitchFamily="18" charset="0"/>
-              </a:endParaRPr>
-            </a:p>
-          </p:txBody>
-        </p:sp>
-        <p:sp>
-          <p:nvSpPr>
-            <p:cNvPr id="38" name="文字方塊 37">
-              <a:extLst>
-                <a:ext uri="{FF2B5EF4-FFF2-40B4-BE49-F238E27FC236}">
-                  <a16:creationId xmlns:a16="http://schemas.microsoft.com/office/drawing/2014/main" id="{28E4131A-F9A4-4F28-9400-2D5593C417EC}"/>
-                </a:ext>
-              </a:extLst>
-            </p:cNvPr>
-            <p:cNvSpPr txBox="1"/>
-            <p:nvPr/>
-          </p:nvSpPr>
-          <p:spPr>
-            <a:xfrm>
-              <a:off x="5707217" y="2574693"/>
-              <a:ext cx="2355132" cy="369332"/>
-            </a:xfrm>
-            <a:prstGeom prst="rect">
-              <a:avLst/>
-            </a:prstGeom>
-            <a:noFill/>
-          </p:spPr>
-          <p:txBody>
-            <a:bodyPr wrap="none" rtlCol="0">
-              <a:spAutoFit/>
-            </a:bodyPr>
-            <a:lstStyle/>
-            <a:p>
-              <a:r>
-                <a:rPr lang="en-US" altLang="zh-TW" dirty="0" err="1">
-                  <a:latin typeface="Times New Roman" panose="02020603050405020304" pitchFamily="18" charset="0"/>
-                  <a:cs typeface="Times New Roman" panose="02020603050405020304" pitchFamily="18" charset="0"/>
-                </a:rPr>
-                <a:t>conv_done</a:t>
-              </a:r>
-              <a:r>
-                <a:rPr lang="en-US" altLang="zh-TW" dirty="0">
-                  <a:latin typeface="Times New Roman" panose="02020603050405020304" pitchFamily="18" charset="0"/>
-                  <a:cs typeface="Times New Roman" panose="02020603050405020304" pitchFamily="18" charset="0"/>
-                </a:rPr>
-                <a:t> == `Disable</a:t>
-              </a:r>
-              <a:endParaRPr lang="zh-TW" altLang="en-US" dirty="0">
-                <a:latin typeface="Times New Roman" panose="02020603050405020304" pitchFamily="18" charset="0"/>
-                <a:cs typeface="Times New Roman" panose="02020603050405020304" pitchFamily="18" charset="0"/>
-              </a:endParaRPr>
-            </a:p>
-          </p:txBody>
-        </p:sp>
-        <p:sp>
-          <p:nvSpPr>
-            <p:cNvPr id="41" name="文字方塊 33">
-              <a:extLst>
-                <a:ext uri="{FF2B5EF4-FFF2-40B4-BE49-F238E27FC236}">
-                  <a16:creationId xmlns:a16="http://schemas.microsoft.com/office/drawing/2014/main" id="{01AB9EEF-DD37-44BB-B881-594D47F97D6C}"/>
-                </a:ext>
-              </a:extLst>
-            </p:cNvPr>
-            <p:cNvSpPr txBox="1"/>
-            <p:nvPr/>
-          </p:nvSpPr>
-          <p:spPr>
-            <a:xfrm>
-              <a:off x="6973853" y="5382403"/>
-              <a:ext cx="1752596" cy="369332"/>
-            </a:xfrm>
-            <a:prstGeom prst="rect">
-              <a:avLst/>
-            </a:prstGeom>
-            <a:noFill/>
-          </p:spPr>
-          <p:txBody>
-            <a:bodyPr wrap="none" rtlCol="0">
-              <a:spAutoFit/>
-            </a:bodyPr>
-            <a:lstStyle>
-              <a:defPPr>
-                <a:defRPr lang="zh-TW"/>
-              </a:defPPr>
-              <a:lvl1pPr marL="0" algn="l" defTabSz="914400" rtl="0" eaLnBrk="1" latinLnBrk="0" hangingPunct="1">
-                <a:defRPr sz="1800" kern="1200">
-                  <a:solidFill>
-                    <a:schemeClr val="tx1"/>
-                  </a:solidFill>
-                  <a:latin typeface="+mn-lt"/>
-                  <a:ea typeface="+mn-ea"/>
-                  <a:cs typeface="+mn-cs"/>
-                </a:defRPr>
-              </a:lvl1pPr>
-              <a:lvl2pPr marL="457200" algn="l" defTabSz="914400" rtl="0" eaLnBrk="1" latinLnBrk="0" hangingPunct="1">
-                <a:defRPr sz="1800" kern="1200">
-                  <a:solidFill>
-                    <a:schemeClr val="tx1"/>
-                  </a:solidFill>
-                  <a:latin typeface="+mn-lt"/>
-                  <a:ea typeface="+mn-ea"/>
-                  <a:cs typeface="+mn-cs"/>
-                </a:defRPr>
-              </a:lvl2pPr>
-              <a:lvl3pPr marL="914400" algn="l" defTabSz="914400" rtl="0" eaLnBrk="1" latinLnBrk="0" hangingPunct="1">
-                <a:defRPr sz="1800" kern="1200">
-                  <a:solidFill>
-                    <a:schemeClr val="tx1"/>
-                  </a:solidFill>
-                  <a:latin typeface="+mn-lt"/>
-                  <a:ea typeface="+mn-ea"/>
-                  <a:cs typeface="+mn-cs"/>
-                </a:defRPr>
-              </a:lvl3pPr>
-              <a:lvl4pPr marL="1371600" algn="l" defTabSz="914400" rtl="0" eaLnBrk="1" latinLnBrk="0" hangingPunct="1">
-                <a:defRPr sz="1800" kern="1200">
-                  <a:solidFill>
-                    <a:schemeClr val="tx1"/>
-                  </a:solidFill>
-                  <a:latin typeface="+mn-lt"/>
-                  <a:ea typeface="+mn-ea"/>
-                  <a:cs typeface="+mn-cs"/>
-                </a:defRPr>
-              </a:lvl4pPr>
-              <a:lvl5pPr marL="1828800" algn="l" defTabSz="914400" rtl="0" eaLnBrk="1" latinLnBrk="0" hangingPunct="1">
-                <a:defRPr sz="1800" kern="1200">
-                  <a:solidFill>
-                    <a:schemeClr val="tx1"/>
-                  </a:solidFill>
-                  <a:latin typeface="+mn-lt"/>
-                  <a:ea typeface="+mn-ea"/>
-                  <a:cs typeface="+mn-cs"/>
-                </a:defRPr>
-              </a:lvl5pPr>
-              <a:lvl6pPr marL="2286000" algn="l" defTabSz="914400" rtl="0" eaLnBrk="1" latinLnBrk="0" hangingPunct="1">
-                <a:defRPr sz="1800" kern="1200">
-                  <a:solidFill>
-                    <a:schemeClr val="tx1"/>
-                  </a:solidFill>
-                  <a:latin typeface="+mn-lt"/>
-                  <a:ea typeface="+mn-ea"/>
-                  <a:cs typeface="+mn-cs"/>
-                </a:defRPr>
-              </a:lvl6pPr>
-              <a:lvl7pPr marL="2743200" algn="l" defTabSz="914400" rtl="0" eaLnBrk="1" latinLnBrk="0" hangingPunct="1">
-                <a:defRPr sz="1800" kern="1200">
-                  <a:solidFill>
-                    <a:schemeClr val="tx1"/>
-                  </a:solidFill>
-                  <a:latin typeface="+mn-lt"/>
-                  <a:ea typeface="+mn-ea"/>
-                  <a:cs typeface="+mn-cs"/>
-                </a:defRPr>
-              </a:lvl7pPr>
-              <a:lvl8pPr marL="3200400" algn="l" defTabSz="914400" rtl="0" eaLnBrk="1" latinLnBrk="0" hangingPunct="1">
-                <a:defRPr sz="1800" kern="1200">
-                  <a:solidFill>
-                    <a:schemeClr val="tx1"/>
-                  </a:solidFill>
-                  <a:latin typeface="+mn-lt"/>
-                  <a:ea typeface="+mn-ea"/>
-                  <a:cs typeface="+mn-cs"/>
-                </a:defRPr>
-              </a:lvl8pPr>
-              <a:lvl9pPr marL="3657600" algn="l" defTabSz="914400" rtl="0" eaLnBrk="1" latinLnBrk="0" hangingPunct="1">
-                <a:defRPr sz="1800" kern="1200">
-                  <a:solidFill>
-                    <a:schemeClr val="tx1"/>
-                  </a:solidFill>
-                  <a:latin typeface="+mn-lt"/>
-                  <a:ea typeface="+mn-ea"/>
-                  <a:cs typeface="+mn-cs"/>
-                </a:defRPr>
-              </a:lvl9pPr>
-            </a:lstStyle>
-            <a:p>
-              <a:r>
-                <a:rPr lang="en-US" altLang="zh-TW" dirty="0">
-                  <a:latin typeface="Times New Roman" panose="02020603050405020304" pitchFamily="18" charset="0"/>
-                  <a:cs typeface="Times New Roman" panose="02020603050405020304" pitchFamily="18" charset="0"/>
-                </a:rPr>
-                <a:t>pointer != 66045</a:t>
-              </a:r>
-              <a:endParaRPr lang="zh-TW" altLang="en-US" dirty="0">
-                <a:latin typeface="Times New Roman" panose="02020603050405020304" pitchFamily="18" charset="0"/>
-                <a:cs typeface="Times New Roman" panose="02020603050405020304" pitchFamily="18" charset="0"/>
-              </a:endParaRPr>
-            </a:p>
-          </p:txBody>
-        </p:sp>
-        <p:sp>
-          <p:nvSpPr>
-            <p:cNvPr id="43" name="文字方塊 33">
-              <a:extLst>
-                <a:ext uri="{FF2B5EF4-FFF2-40B4-BE49-F238E27FC236}">
-                  <a16:creationId xmlns:a16="http://schemas.microsoft.com/office/drawing/2014/main" id="{B863A664-14F1-4F48-9682-F145B2ABD0EB}"/>
-                </a:ext>
-              </a:extLst>
-            </p:cNvPr>
-            <p:cNvSpPr txBox="1"/>
-            <p:nvPr/>
-          </p:nvSpPr>
-          <p:spPr>
-            <a:xfrm>
-              <a:off x="7941305" y="3809235"/>
-              <a:ext cx="1792670" cy="369332"/>
-            </a:xfrm>
-            <a:prstGeom prst="rect">
-              <a:avLst/>
-            </a:prstGeom>
-            <a:noFill/>
-          </p:spPr>
-          <p:txBody>
-            <a:bodyPr wrap="none" rtlCol="0">
-              <a:spAutoFit/>
-            </a:bodyPr>
-            <a:lstStyle>
-              <a:defPPr>
-                <a:defRPr lang="zh-TW"/>
-              </a:defPPr>
-              <a:lvl1pPr marL="0" algn="l" defTabSz="914400" rtl="0" eaLnBrk="1" latinLnBrk="0" hangingPunct="1">
-                <a:defRPr sz="1800" kern="1200">
-                  <a:solidFill>
-                    <a:schemeClr val="tx1"/>
-                  </a:solidFill>
-                  <a:latin typeface="+mn-lt"/>
-                  <a:ea typeface="+mn-ea"/>
-                  <a:cs typeface="+mn-cs"/>
-                </a:defRPr>
-              </a:lvl1pPr>
-              <a:lvl2pPr marL="457200" algn="l" defTabSz="914400" rtl="0" eaLnBrk="1" latinLnBrk="0" hangingPunct="1">
-                <a:defRPr sz="1800" kern="1200">
-                  <a:solidFill>
-                    <a:schemeClr val="tx1"/>
-                  </a:solidFill>
-                  <a:latin typeface="+mn-lt"/>
-                  <a:ea typeface="+mn-ea"/>
-                  <a:cs typeface="+mn-cs"/>
-                </a:defRPr>
-              </a:lvl2pPr>
-              <a:lvl3pPr marL="914400" algn="l" defTabSz="914400" rtl="0" eaLnBrk="1" latinLnBrk="0" hangingPunct="1">
-                <a:defRPr sz="1800" kern="1200">
-                  <a:solidFill>
-                    <a:schemeClr val="tx1"/>
-                  </a:solidFill>
-                  <a:latin typeface="+mn-lt"/>
-                  <a:ea typeface="+mn-ea"/>
-                  <a:cs typeface="+mn-cs"/>
-                </a:defRPr>
-              </a:lvl3pPr>
-              <a:lvl4pPr marL="1371600" algn="l" defTabSz="914400" rtl="0" eaLnBrk="1" latinLnBrk="0" hangingPunct="1">
-                <a:defRPr sz="1800" kern="1200">
-                  <a:solidFill>
-                    <a:schemeClr val="tx1"/>
-                  </a:solidFill>
-                  <a:latin typeface="+mn-lt"/>
-                  <a:ea typeface="+mn-ea"/>
-                  <a:cs typeface="+mn-cs"/>
-                </a:defRPr>
-              </a:lvl4pPr>
-              <a:lvl5pPr marL="1828800" algn="l" defTabSz="914400" rtl="0" eaLnBrk="1" latinLnBrk="0" hangingPunct="1">
-                <a:defRPr sz="1800" kern="1200">
-                  <a:solidFill>
-                    <a:schemeClr val="tx1"/>
-                  </a:solidFill>
-                  <a:latin typeface="+mn-lt"/>
-                  <a:ea typeface="+mn-ea"/>
-                  <a:cs typeface="+mn-cs"/>
-                </a:defRPr>
-              </a:lvl5pPr>
-              <a:lvl6pPr marL="2286000" algn="l" defTabSz="914400" rtl="0" eaLnBrk="1" latinLnBrk="0" hangingPunct="1">
-                <a:defRPr sz="1800" kern="1200">
-                  <a:solidFill>
-                    <a:schemeClr val="tx1"/>
-                  </a:solidFill>
-                  <a:latin typeface="+mn-lt"/>
-                  <a:ea typeface="+mn-ea"/>
-                  <a:cs typeface="+mn-cs"/>
-                </a:defRPr>
-              </a:lvl6pPr>
-              <a:lvl7pPr marL="2743200" algn="l" defTabSz="914400" rtl="0" eaLnBrk="1" latinLnBrk="0" hangingPunct="1">
-                <a:defRPr sz="1800" kern="1200">
-                  <a:solidFill>
-                    <a:schemeClr val="tx1"/>
-                  </a:solidFill>
-                  <a:latin typeface="+mn-lt"/>
-                  <a:ea typeface="+mn-ea"/>
-                  <a:cs typeface="+mn-cs"/>
-                </a:defRPr>
-              </a:lvl7pPr>
-              <a:lvl8pPr marL="3200400" algn="l" defTabSz="914400" rtl="0" eaLnBrk="1" latinLnBrk="0" hangingPunct="1">
-                <a:defRPr sz="1800" kern="1200">
-                  <a:solidFill>
-                    <a:schemeClr val="tx1"/>
-                  </a:solidFill>
-                  <a:latin typeface="+mn-lt"/>
-                  <a:ea typeface="+mn-ea"/>
-                  <a:cs typeface="+mn-cs"/>
-                </a:defRPr>
-              </a:lvl8pPr>
-              <a:lvl9pPr marL="3657600" algn="l" defTabSz="914400" rtl="0" eaLnBrk="1" latinLnBrk="0" hangingPunct="1">
-                <a:defRPr sz="1800" kern="1200">
-                  <a:solidFill>
-                    <a:schemeClr val="tx1"/>
-                  </a:solidFill>
-                  <a:latin typeface="+mn-lt"/>
-                  <a:ea typeface="+mn-ea"/>
-                  <a:cs typeface="+mn-cs"/>
-                </a:defRPr>
-              </a:lvl9pPr>
-            </a:lstStyle>
-            <a:p>
-              <a:r>
-                <a:rPr lang="en-US" altLang="zh-TW" dirty="0">
-                  <a:latin typeface="Times New Roman" panose="02020603050405020304" pitchFamily="18" charset="0"/>
-                  <a:cs typeface="Times New Roman" panose="02020603050405020304" pitchFamily="18" charset="0"/>
-                </a:rPr>
-                <a:t>pointer == 66045</a:t>
-              </a:r>
-              <a:endParaRPr lang="zh-TW" altLang="en-US" dirty="0">
-                <a:latin typeface="Times New Roman" panose="02020603050405020304" pitchFamily="18" charset="0"/>
-                <a:cs typeface="Times New Roman" panose="02020603050405020304" pitchFamily="18" charset="0"/>
-              </a:endParaRPr>
-            </a:p>
-          </p:txBody>
-        </p:sp>
       </p:grpSp>
     </p:spTree>
     <p:extLst>
